--- a/Presentation_WHO.pptx
+++ b/Presentation_WHO.pptx
@@ -6,7 +6,18 @@
   </p:sldMasterIdLst>
   <p:sldIdLst>
     <p:sldId id="256" r:id="rId2"/>
-    <p:sldId id="257" r:id="rId3"/>
+    <p:sldId id="258" r:id="rId3"/>
+    <p:sldId id="259" r:id="rId4"/>
+    <p:sldId id="257" r:id="rId5"/>
+    <p:sldId id="260" r:id="rId6"/>
+    <p:sldId id="261" r:id="rId7"/>
+    <p:sldId id="262" r:id="rId8"/>
+    <p:sldId id="263" r:id="rId9"/>
+    <p:sldId id="264" r:id="rId10"/>
+    <p:sldId id="265" r:id="rId11"/>
+    <p:sldId id="266" r:id="rId12"/>
+    <p:sldId id="267" r:id="rId13"/>
+    <p:sldId id="269" r:id="rId14"/>
   </p:sldIdLst>
   <p:sldSz cx="12192000" cy="6858000"/>
   <p:notesSz cx="6858000" cy="9144000"/>
@@ -105,11 +116,16 @@
       </a:defRPr>
     </a:lvl9pPr>
   </p:defaultTextStyle>
+  <p:extLst>
+    <p:ext uri="{EFAFB233-063F-42B5-8137-9DF3F51BA10A}">
+      <p15:sldGuideLst xmlns:p15="http://schemas.microsoft.com/office/powerpoint/2012/main"/>
+    </p:ext>
+  </p:extLst>
 </p:presentation>
 </file>
 
 <file path=ppt/slideLayouts/slideLayout1.xml><?xml version="1.0" encoding="utf-8"?>
-<p:sldLayout xmlns:a="http://schemas.openxmlformats.org/drawingml/2006/main" xmlns:r="http://schemas.openxmlformats.org/officeDocument/2006/relationships" xmlns:p="http://schemas.openxmlformats.org/presentationml/2006/main" type="title" preserve="1">
+<p:sldLayout xmlns:a="http://schemas.openxmlformats.org/drawingml/2006/main" xmlns:r="http://schemas.openxmlformats.org/officeDocument/2006/relationships" xmlns:p="http://schemas.openxmlformats.org/presentationml/2006/main" showMasterSp="0" type="title" preserve="1">
   <p:cSld name="Title Slide">
     <p:spTree>
       <p:nvGrpSpPr>
@@ -298,7 +314,7 @@
             <a:fld id="{A5B0A250-5CC0-1746-B209-08E8B0DAE6AF}" type="datetimeFigureOut">
               <a:rPr lang="en-US" smtClean="0"/>
               <a:pPr algn="l"/>
-              <a:t>10/6/22</a:t>
+              <a:t>10/7/22</a:t>
             </a:fld>
             <a:endParaRPr lang="en-US" dirty="0"/>
           </a:p>
@@ -447,7 +463,7 @@
 </file>
 
 <file path=ppt/slideLayouts/slideLayout10.xml><?xml version="1.0" encoding="utf-8"?>
-<p:sldLayout xmlns:a="http://schemas.openxmlformats.org/drawingml/2006/main" xmlns:r="http://schemas.openxmlformats.org/officeDocument/2006/relationships" xmlns:p="http://schemas.openxmlformats.org/presentationml/2006/main" preserve="1">
+<p:sldLayout xmlns:a="http://schemas.openxmlformats.org/drawingml/2006/main" xmlns:r="http://schemas.openxmlformats.org/officeDocument/2006/relationships" xmlns:p="http://schemas.openxmlformats.org/presentationml/2006/main" showMasterSp="0" preserve="1">
   <p:cSld name="Title and Caption">
     <p:spTree>
       <p:nvGrpSpPr>
@@ -637,7 +653,7 @@
             <a:fld id="{A5B0A250-5CC0-1746-B209-08E8B0DAE6AF}" type="datetimeFigureOut">
               <a:rPr lang="en-US" smtClean="0"/>
               <a:pPr/>
-              <a:t>10/6/22</a:t>
+              <a:t>10/7/22</a:t>
             </a:fld>
             <a:endParaRPr lang="en-US" dirty="0"/>
           </a:p>
@@ -787,7 +803,7 @@
 </file>
 
 <file path=ppt/slideLayouts/slideLayout11.xml><?xml version="1.0" encoding="utf-8"?>
-<p:sldLayout xmlns:a="http://schemas.openxmlformats.org/drawingml/2006/main" xmlns:r="http://schemas.openxmlformats.org/officeDocument/2006/relationships" xmlns:p="http://schemas.openxmlformats.org/presentationml/2006/main" preserve="1">
+<p:sldLayout xmlns:a="http://schemas.openxmlformats.org/drawingml/2006/main" xmlns:r="http://schemas.openxmlformats.org/officeDocument/2006/relationships" xmlns:p="http://schemas.openxmlformats.org/presentationml/2006/main" showMasterSp="0" preserve="1">
   <p:cSld name="Quote with Caption">
     <p:spTree>
       <p:nvGrpSpPr>
@@ -1040,7 +1056,7 @@
             <a:fld id="{A5B0A250-5CC0-1746-B209-08E8B0DAE6AF}" type="datetimeFigureOut">
               <a:rPr lang="en-US" smtClean="0"/>
               <a:pPr/>
-              <a:t>10/6/22</a:t>
+              <a:t>10/7/22</a:t>
             </a:fld>
             <a:endParaRPr lang="en-US" dirty="0"/>
           </a:p>
@@ -1266,7 +1282,7 @@
 </file>
 
 <file path=ppt/slideLayouts/slideLayout12.xml><?xml version="1.0" encoding="utf-8"?>
-<p:sldLayout xmlns:a="http://schemas.openxmlformats.org/drawingml/2006/main" xmlns:r="http://schemas.openxmlformats.org/officeDocument/2006/relationships" xmlns:p="http://schemas.openxmlformats.org/presentationml/2006/main" preserve="1">
+<p:sldLayout xmlns:a="http://schemas.openxmlformats.org/drawingml/2006/main" xmlns:r="http://schemas.openxmlformats.org/officeDocument/2006/relationships" xmlns:p="http://schemas.openxmlformats.org/presentationml/2006/main" showMasterSp="0" preserve="1">
   <p:cSld name="Name Card">
     <p:spTree>
       <p:nvGrpSpPr>
@@ -1378,7 +1394,7 @@
             <a:fld id="{A5B0A250-5CC0-1746-B209-08E8B0DAE6AF}" type="datetimeFigureOut">
               <a:rPr lang="en-US" smtClean="0"/>
               <a:pPr/>
-              <a:t>10/6/22</a:t>
+              <a:t>10/7/22</a:t>
             </a:fld>
             <a:endParaRPr lang="en-US" dirty="0"/>
           </a:p>
@@ -1528,7 +1544,7 @@
 </file>
 
 <file path=ppt/slideLayouts/slideLayout13.xml><?xml version="1.0" encoding="utf-8"?>
-<p:sldLayout xmlns:a="http://schemas.openxmlformats.org/drawingml/2006/main" xmlns:r="http://schemas.openxmlformats.org/officeDocument/2006/relationships" xmlns:p="http://schemas.openxmlformats.org/presentationml/2006/main" preserve="1">
+<p:sldLayout xmlns:a="http://schemas.openxmlformats.org/drawingml/2006/main" xmlns:r="http://schemas.openxmlformats.org/officeDocument/2006/relationships" xmlns:p="http://schemas.openxmlformats.org/presentationml/2006/main" showMasterSp="0" preserve="1">
   <p:cSld name="Quote Name Card">
     <p:spTree>
       <p:nvGrpSpPr>
@@ -1700,7 +1716,7 @@
             <a:fld id="{A5B0A250-5CC0-1746-B209-08E8B0DAE6AF}" type="datetimeFigureOut">
               <a:rPr lang="en-US" smtClean="0"/>
               <a:pPr/>
-              <a:t>10/6/22</a:t>
+              <a:t>10/7/22</a:t>
             </a:fld>
             <a:endParaRPr lang="en-US" dirty="0"/>
           </a:p>
@@ -1926,7 +1942,7 @@
 </file>
 
 <file path=ppt/slideLayouts/slideLayout14.xml><?xml version="1.0" encoding="utf-8"?>
-<p:sldLayout xmlns:a="http://schemas.openxmlformats.org/drawingml/2006/main" xmlns:r="http://schemas.openxmlformats.org/officeDocument/2006/relationships" xmlns:p="http://schemas.openxmlformats.org/presentationml/2006/main" preserve="1">
+<p:sldLayout xmlns:a="http://schemas.openxmlformats.org/drawingml/2006/main" xmlns:r="http://schemas.openxmlformats.org/officeDocument/2006/relationships" xmlns:p="http://schemas.openxmlformats.org/presentationml/2006/main" showMasterSp="0" preserve="1">
   <p:cSld name="True or False">
     <p:spTree>
       <p:nvGrpSpPr>
@@ -2098,7 +2114,7 @@
             <a:fld id="{A5B0A250-5CC0-1746-B209-08E8B0DAE6AF}" type="datetimeFigureOut">
               <a:rPr lang="en-US" smtClean="0"/>
               <a:pPr/>
-              <a:t>10/6/22</a:t>
+              <a:t>10/7/22</a:t>
             </a:fld>
             <a:endParaRPr lang="en-US" dirty="0"/>
           </a:p>
@@ -2248,7 +2264,7 @@
 </file>
 
 <file path=ppt/slideLayouts/slideLayout15.xml><?xml version="1.0" encoding="utf-8"?>
-<p:sldLayout xmlns:a="http://schemas.openxmlformats.org/drawingml/2006/main" xmlns:r="http://schemas.openxmlformats.org/officeDocument/2006/relationships" xmlns:p="http://schemas.openxmlformats.org/presentationml/2006/main" type="vertTx" preserve="1">
+<p:sldLayout xmlns:a="http://schemas.openxmlformats.org/drawingml/2006/main" xmlns:r="http://schemas.openxmlformats.org/officeDocument/2006/relationships" xmlns:p="http://schemas.openxmlformats.org/presentationml/2006/main" showMasterSp="0" type="vertTx" preserve="1">
   <p:cSld name="Title and Vertical Text">
     <p:spTree>
       <p:nvGrpSpPr>
@@ -2357,7 +2373,7 @@
             <a:fld id="{A5B0A250-5CC0-1746-B209-08E8B0DAE6AF}" type="datetimeFigureOut">
               <a:rPr lang="en-US" smtClean="0"/>
               <a:pPr/>
-              <a:t>10/6/22</a:t>
+              <a:t>10/7/22</a:t>
             </a:fld>
             <a:endParaRPr lang="en-US" dirty="0"/>
           </a:p>
@@ -2502,7 +2518,7 @@
 </file>
 
 <file path=ppt/slideLayouts/slideLayout16.xml><?xml version="1.0" encoding="utf-8"?>
-<p:sldLayout xmlns:a="http://schemas.openxmlformats.org/drawingml/2006/main" xmlns:r="http://schemas.openxmlformats.org/officeDocument/2006/relationships" xmlns:p="http://schemas.openxmlformats.org/presentationml/2006/main" type="vertTitleAndTx" preserve="1">
+<p:sldLayout xmlns:a="http://schemas.openxmlformats.org/drawingml/2006/main" xmlns:r="http://schemas.openxmlformats.org/officeDocument/2006/relationships" xmlns:p="http://schemas.openxmlformats.org/presentationml/2006/main" showMasterSp="0" type="vertTitleAndTx" preserve="1">
   <p:cSld name="Vertical Title and Text">
     <p:spTree>
       <p:nvGrpSpPr>
@@ -2621,7 +2637,7 @@
             <a:fld id="{A5B0A250-5CC0-1746-B209-08E8B0DAE6AF}" type="datetimeFigureOut">
               <a:rPr lang="en-US" smtClean="0"/>
               <a:pPr/>
-              <a:t>10/6/22</a:t>
+              <a:t>10/7/22</a:t>
             </a:fld>
             <a:endParaRPr lang="en-US" dirty="0"/>
           </a:p>
@@ -2766,7 +2782,7 @@
 </file>
 
 <file path=ppt/slideLayouts/slideLayout2.xml><?xml version="1.0" encoding="utf-8"?>
-<p:sldLayout xmlns:a="http://schemas.openxmlformats.org/drawingml/2006/main" xmlns:r="http://schemas.openxmlformats.org/officeDocument/2006/relationships" xmlns:p="http://schemas.openxmlformats.org/presentationml/2006/main" type="obj" preserve="1">
+<p:sldLayout xmlns:a="http://schemas.openxmlformats.org/drawingml/2006/main" xmlns:r="http://schemas.openxmlformats.org/officeDocument/2006/relationships" xmlns:p="http://schemas.openxmlformats.org/presentationml/2006/main" showMasterSp="0" type="obj" preserve="1">
   <p:cSld name="Title and Content">
     <p:spTree>
       <p:nvGrpSpPr>
@@ -2885,7 +2901,7 @@
             <a:fld id="{A5B0A250-5CC0-1746-B209-08E8B0DAE6AF}" type="datetimeFigureOut">
               <a:rPr lang="en-US" smtClean="0"/>
               <a:pPr/>
-              <a:t>10/6/22</a:t>
+              <a:t>10/7/22</a:t>
             </a:fld>
             <a:endParaRPr lang="en-US" dirty="0"/>
           </a:p>
@@ -3030,7 +3046,7 @@
 </file>
 
 <file path=ppt/slideLayouts/slideLayout3.xml><?xml version="1.0" encoding="utf-8"?>
-<p:sldLayout xmlns:a="http://schemas.openxmlformats.org/drawingml/2006/main" xmlns:r="http://schemas.openxmlformats.org/officeDocument/2006/relationships" xmlns:p="http://schemas.openxmlformats.org/presentationml/2006/main" type="secHead" preserve="1">
+<p:sldLayout xmlns:a="http://schemas.openxmlformats.org/drawingml/2006/main" xmlns:r="http://schemas.openxmlformats.org/officeDocument/2006/relationships" xmlns:p="http://schemas.openxmlformats.org/presentationml/2006/main" showMasterSp="0" type="secHead" preserve="1">
   <p:cSld name="Section Header">
     <p:spTree>
       <p:nvGrpSpPr>
@@ -3215,7 +3231,7 @@
           <a:p>
             <a:fld id="{A5B0A250-5CC0-1746-B209-08E8B0DAE6AF}" type="datetimeFigureOut">
               <a:rPr lang="en-US" smtClean="0"/>
-              <a:t>10/6/22</a:t>
+              <a:t>10/7/22</a:t>
             </a:fld>
             <a:endParaRPr lang="en-US" dirty="0"/>
           </a:p>
@@ -3364,7 +3380,7 @@
 </file>
 
 <file path=ppt/slideLayouts/slideLayout4.xml><?xml version="1.0" encoding="utf-8"?>
-<p:sldLayout xmlns:a="http://schemas.openxmlformats.org/drawingml/2006/main" xmlns:r="http://schemas.openxmlformats.org/officeDocument/2006/relationships" xmlns:p="http://schemas.openxmlformats.org/presentationml/2006/main" type="twoObj" preserve="1">
+<p:sldLayout xmlns:a="http://schemas.openxmlformats.org/drawingml/2006/main" xmlns:r="http://schemas.openxmlformats.org/officeDocument/2006/relationships" xmlns:p="http://schemas.openxmlformats.org/presentationml/2006/main" showMasterSp="0" type="twoObj" preserve="1">
   <p:cSld name="Two Content">
     <p:spTree>
       <p:nvGrpSpPr>
@@ -3539,7 +3555,7 @@
             <a:fld id="{A5B0A250-5CC0-1746-B209-08E8B0DAE6AF}" type="datetimeFigureOut">
               <a:rPr lang="en-US" smtClean="0"/>
               <a:pPr/>
-              <a:t>10/6/22</a:t>
+              <a:t>10/7/22</a:t>
             </a:fld>
             <a:endParaRPr lang="en-US" dirty="0"/>
           </a:p>
@@ -3694,7 +3710,7 @@
 </file>
 
 <file path=ppt/slideLayouts/slideLayout5.xml><?xml version="1.0" encoding="utf-8"?>
-<p:sldLayout xmlns:a="http://schemas.openxmlformats.org/drawingml/2006/main" xmlns:r="http://schemas.openxmlformats.org/officeDocument/2006/relationships" xmlns:p="http://schemas.openxmlformats.org/presentationml/2006/main" type="twoTxTwoObj" preserve="1">
+<p:sldLayout xmlns:a="http://schemas.openxmlformats.org/drawingml/2006/main" xmlns:r="http://schemas.openxmlformats.org/officeDocument/2006/relationships" xmlns:p="http://schemas.openxmlformats.org/presentationml/2006/main" showMasterSp="0" type="twoTxTwoObj" preserve="1">
   <p:cSld name="Comparison">
     <p:spTree>
       <p:nvGrpSpPr>
@@ -4003,7 +4019,7 @@
             <a:fld id="{A5B0A250-5CC0-1746-B209-08E8B0DAE6AF}" type="datetimeFigureOut">
               <a:rPr lang="en-US" smtClean="0"/>
               <a:pPr/>
-              <a:t>10/6/22</a:t>
+              <a:t>10/7/22</a:t>
             </a:fld>
             <a:endParaRPr lang="en-US" dirty="0"/>
           </a:p>
@@ -4158,7 +4174,7 @@
 </file>
 
 <file path=ppt/slideLayouts/slideLayout6.xml><?xml version="1.0" encoding="utf-8"?>
-<p:sldLayout xmlns:a="http://schemas.openxmlformats.org/drawingml/2006/main" xmlns:r="http://schemas.openxmlformats.org/officeDocument/2006/relationships" xmlns:p="http://schemas.openxmlformats.org/presentationml/2006/main" type="titleOnly" preserve="1">
+<p:sldLayout xmlns:a="http://schemas.openxmlformats.org/drawingml/2006/main" xmlns:r="http://schemas.openxmlformats.org/officeDocument/2006/relationships" xmlns:p="http://schemas.openxmlformats.org/presentationml/2006/main" showMasterSp="0" type="titleOnly" preserve="1">
   <p:cSld name="Title Only">
     <p:spTree>
       <p:nvGrpSpPr>
@@ -4214,7 +4230,7 @@
           <a:p>
             <a:fld id="{A5B0A250-5CC0-1746-B209-08E8B0DAE6AF}" type="datetimeFigureOut">
               <a:rPr lang="en-US" smtClean="0"/>
-              <a:t>10/6/22</a:t>
+              <a:t>10/7/22</a:t>
             </a:fld>
             <a:endParaRPr lang="en-US" dirty="0"/>
           </a:p>
@@ -4358,7 +4374,7 @@
 </file>
 
 <file path=ppt/slideLayouts/slideLayout7.xml><?xml version="1.0" encoding="utf-8"?>
-<p:sldLayout xmlns:a="http://schemas.openxmlformats.org/drawingml/2006/main" xmlns:r="http://schemas.openxmlformats.org/officeDocument/2006/relationships" xmlns:p="http://schemas.openxmlformats.org/presentationml/2006/main" type="blank" preserve="1">
+<p:sldLayout xmlns:a="http://schemas.openxmlformats.org/drawingml/2006/main" xmlns:r="http://schemas.openxmlformats.org/officeDocument/2006/relationships" xmlns:p="http://schemas.openxmlformats.org/presentationml/2006/main" showMasterSp="0" type="blank" preserve="1">
   <p:cSld name="Blank">
     <p:spTree>
       <p:nvGrpSpPr>
@@ -4392,7 +4408,7 @@
             <a:fld id="{A5B0A250-5CC0-1746-B209-08E8B0DAE6AF}" type="datetimeFigureOut">
               <a:rPr lang="en-US" smtClean="0"/>
               <a:pPr/>
-              <a:t>10/6/22</a:t>
+              <a:t>10/7/22</a:t>
             </a:fld>
             <a:endParaRPr lang="en-US" dirty="0"/>
           </a:p>
@@ -4537,7 +4553,7 @@
 </file>
 
 <file path=ppt/slideLayouts/slideLayout8.xml><?xml version="1.0" encoding="utf-8"?>
-<p:sldLayout xmlns:a="http://schemas.openxmlformats.org/drawingml/2006/main" xmlns:r="http://schemas.openxmlformats.org/officeDocument/2006/relationships" xmlns:p="http://schemas.openxmlformats.org/presentationml/2006/main" type="objTx" preserve="1">
+<p:sldLayout xmlns:a="http://schemas.openxmlformats.org/drawingml/2006/main" xmlns:r="http://schemas.openxmlformats.org/officeDocument/2006/relationships" xmlns:p="http://schemas.openxmlformats.org/presentationml/2006/main" showMasterSp="0" type="objTx" preserve="1">
   <p:cSld name="Content with Caption">
     <p:spTree>
       <p:nvGrpSpPr>
@@ -4727,7 +4743,7 @@
             <a:fld id="{A5B0A250-5CC0-1746-B209-08E8B0DAE6AF}" type="datetimeFigureOut">
               <a:rPr lang="en-US" smtClean="0"/>
               <a:pPr/>
-              <a:t>10/6/22</a:t>
+              <a:t>10/7/22</a:t>
             </a:fld>
             <a:endParaRPr lang="en-US" dirty="0"/>
           </a:p>
@@ -4877,7 +4893,7 @@
 </file>
 
 <file path=ppt/slideLayouts/slideLayout9.xml><?xml version="1.0" encoding="utf-8"?>
-<p:sldLayout xmlns:a="http://schemas.openxmlformats.org/drawingml/2006/main" xmlns:r="http://schemas.openxmlformats.org/officeDocument/2006/relationships" xmlns:p="http://schemas.openxmlformats.org/presentationml/2006/main" type="picTx" preserve="1">
+<p:sldLayout xmlns:a="http://schemas.openxmlformats.org/drawingml/2006/main" xmlns:r="http://schemas.openxmlformats.org/officeDocument/2006/relationships" xmlns:p="http://schemas.openxmlformats.org/presentationml/2006/main" showMasterSp="0" type="picTx" preserve="1">
   <p:cSld name="Picture with Caption">
     <p:spTree>
       <p:nvGrpSpPr>
@@ -5078,7 +5094,7 @@
           <a:p>
             <a:fld id="{A5B0A250-5CC0-1746-B209-08E8B0DAE6AF}" type="datetimeFigureOut">
               <a:rPr lang="en-US" smtClean="0"/>
-              <a:t>10/6/22</a:t>
+              <a:t>10/7/22</a:t>
             </a:fld>
             <a:endParaRPr lang="en-US" dirty="0"/>
           </a:p>
@@ -5230,9 +5246,14 @@
 <p:sldMaster xmlns:a="http://schemas.openxmlformats.org/drawingml/2006/main" xmlns:r="http://schemas.openxmlformats.org/officeDocument/2006/relationships" xmlns:p="http://schemas.openxmlformats.org/presentationml/2006/main">
   <p:cSld>
     <p:bg>
-      <p:bgRef idx="1003">
-        <a:schemeClr val="bg2"/>
-      </p:bgRef>
+      <p:bgPr>
+        <a:blipFill dpi="0" rotWithShape="1">
+          <a:blip r:embed="rId18"/>
+          <a:srcRect/>
+          <a:tile tx="0" ty="0" sx="100000" sy="100000" flip="none" algn="tl"/>
+        </a:blipFill>
+        <a:effectLst/>
+      </p:bgPr>
     </p:bg>
     <p:spTree>
       <p:nvGrpSpPr>
@@ -7196,7 +7217,7 @@
             <a:fld id="{A5B0A250-5CC0-1746-B209-08E8B0DAE6AF}" type="datetimeFigureOut">
               <a:rPr lang="en-US" smtClean="0"/>
               <a:pPr/>
-              <a:t>10/6/22</a:t>
+              <a:t>10/7/22</a:t>
             </a:fld>
             <a:endParaRPr lang="en-US" dirty="0"/>
           </a:p>
@@ -7706,15 +7727,6 @@
 <file path=ppt/slides/slide1.xml><?xml version="1.0" encoding="utf-8"?>
 <p:sld xmlns:a="http://schemas.openxmlformats.org/drawingml/2006/main" xmlns:r="http://schemas.openxmlformats.org/officeDocument/2006/relationships" xmlns:p="http://schemas.openxmlformats.org/presentationml/2006/main" showMasterSp="0">
   <p:cSld>
-    <p:bg>
-      <p:bgPr>
-        <a:blipFill>
-          <a:blip r:embed="rId2"/>
-          <a:tile tx="0" ty="0" sx="100000" sy="100000" flip="none" algn="tl"/>
-        </a:blipFill>
-        <a:effectLst/>
-      </p:bgPr>
-    </p:bg>
     <p:spTree>
       <p:nvGrpSpPr>
         <p:cNvPr id="1" name=""/>
@@ -7751,14 +7763,26 @@
           <a:lstStyle/>
           <a:p>
             <a:r>
-              <a:rPr lang="en-DE" dirty="0"/>
+              <a:rPr lang="en-DE" dirty="0">
+                <a:solidFill>
+                  <a:schemeClr val="bg1"/>
+                </a:solidFill>
+              </a:rPr>
               <a:t>Global Life Expectancy </a:t>
             </a:r>
             <a:br>
-              <a:rPr lang="en-DE" dirty="0"/>
+              <a:rPr lang="en-DE" dirty="0">
+                <a:solidFill>
+                  <a:schemeClr val="bg1"/>
+                </a:solidFill>
+              </a:rPr>
             </a:br>
             <a:r>
-              <a:rPr lang="en-DE" dirty="0"/>
+              <a:rPr lang="en-DE" dirty="0">
+                <a:solidFill>
+                  <a:schemeClr val="bg1"/>
+                </a:solidFill>
+              </a:rPr>
               <a:t>2000-2020 WHO</a:t>
             </a:r>
           </a:p>
@@ -7786,7 +7810,11 @@
           <a:lstStyle/>
           <a:p>
             <a:r>
-              <a:rPr lang="en-DE" b="1" dirty="0"/>
+              <a:rPr lang="en-DE" b="1" dirty="0">
+                <a:solidFill>
+                  <a:schemeClr val="bg1"/>
+                </a:solidFill>
+              </a:rPr>
               <a:t>By Paul-Moritz Jost for Ironhack Berlin</a:t>
             </a:r>
           </a:p>
@@ -7805,18 +7833,9 @@
 </p:sld>
 </file>
 
-<file path=ppt/slides/slide2.xml><?xml version="1.0" encoding="utf-8"?>
+<file path=ppt/slides/slide10.xml><?xml version="1.0" encoding="utf-8"?>
 <p:sld xmlns:a="http://schemas.openxmlformats.org/drawingml/2006/main" xmlns:r="http://schemas.openxmlformats.org/officeDocument/2006/relationships" xmlns:p="http://schemas.openxmlformats.org/presentationml/2006/main" showMasterSp="0">
   <p:cSld>
-    <p:bg>
-      <p:bgPr>
-        <a:blipFill>
-          <a:blip r:embed="rId2"/>
-          <a:tile tx="0" ty="0" sx="100000" sy="100000" flip="none" algn="tl"/>
-        </a:blipFill>
-        <a:effectLst/>
-      </p:bgPr>
-    </p:bg>
     <p:spTree>
       <p:nvGrpSpPr>
         <p:cNvPr id="1" name=""/>
@@ -7855,7 +7874,730 @@
             <a:r>
               <a:rPr lang="en-DE" dirty="0">
                 <a:solidFill>
-                  <a:schemeClr val="bg1"/>
+                  <a:schemeClr val="accent1"/>
+                </a:solidFill>
+              </a:rPr>
+              <a:t>3.) </a:t>
+            </a:r>
+            <a:r>
+              <a:rPr lang="en-DE" dirty="0">
+                <a:solidFill>
+                  <a:schemeClr val="tx1"/>
+                </a:solidFill>
+              </a:rPr>
+              <a:t>Target Variable Regression</a:t>
+            </a:r>
+          </a:p>
+        </p:txBody>
+      </p:sp>
+      <p:pic>
+        <p:nvPicPr>
+          <p:cNvPr id="3" name="Picture 2" descr="Chart, bar chart&#10;&#10;Description automatically generated">
+            <a:extLst>
+              <a:ext uri="{FF2B5EF4-FFF2-40B4-BE49-F238E27FC236}">
+                <a16:creationId xmlns:a16="http://schemas.microsoft.com/office/drawing/2014/main" id="{245246FA-6CC5-4EF7-092B-0CA704AAA099}"/>
+              </a:ext>
+            </a:extLst>
+          </p:cNvPr>
+          <p:cNvPicPr>
+            <a:picLocks noChangeAspect="1"/>
+          </p:cNvPicPr>
+          <p:nvPr/>
+        </p:nvPicPr>
+        <p:blipFill>
+          <a:blip r:embed="rId2"/>
+          <a:stretch>
+            <a:fillRect/>
+          </a:stretch>
+        </p:blipFill>
+        <p:spPr>
+          <a:xfrm>
+            <a:off x="2529472" y="1344706"/>
+            <a:ext cx="7133056" cy="5513294"/>
+          </a:xfrm>
+          <a:prstGeom prst="rect">
+            <a:avLst/>
+          </a:prstGeom>
+        </p:spPr>
+      </p:pic>
+    </p:spTree>
+    <p:extLst>
+      <p:ext uri="{BB962C8B-B14F-4D97-AF65-F5344CB8AC3E}">
+        <p14:creationId xmlns:p14="http://schemas.microsoft.com/office/powerpoint/2010/main" val="2229947591"/>
+      </p:ext>
+    </p:extLst>
+  </p:cSld>
+  <p:clrMapOvr>
+    <a:masterClrMapping/>
+  </p:clrMapOvr>
+</p:sld>
+</file>
+
+<file path=ppt/slides/slide11.xml><?xml version="1.0" encoding="utf-8"?>
+<p:sld xmlns:a="http://schemas.openxmlformats.org/drawingml/2006/main" xmlns:r="http://schemas.openxmlformats.org/officeDocument/2006/relationships" xmlns:p="http://schemas.openxmlformats.org/presentationml/2006/main" showMasterSp="0">
+  <p:cSld>
+    <p:spTree>
+      <p:nvGrpSpPr>
+        <p:cNvPr id="1" name=""/>
+        <p:cNvGrpSpPr/>
+        <p:nvPr/>
+      </p:nvGrpSpPr>
+      <p:grpSpPr>
+        <a:xfrm>
+          <a:off x="0" y="0"/>
+          <a:ext cx="0" cy="0"/>
+          <a:chOff x="0" y="0"/>
+          <a:chExt cx="0" cy="0"/>
+        </a:xfrm>
+      </p:grpSpPr>
+      <p:sp>
+        <p:nvSpPr>
+          <p:cNvPr id="8" name="Title 7">
+            <a:extLst>
+              <a:ext uri="{FF2B5EF4-FFF2-40B4-BE49-F238E27FC236}">
+                <a16:creationId xmlns:a16="http://schemas.microsoft.com/office/drawing/2014/main" id="{AD83C600-B774-2207-DAC6-B0CFA1F74B20}"/>
+              </a:ext>
+            </a:extLst>
+          </p:cNvPr>
+          <p:cNvSpPr>
+            <a:spLocks noGrp="1"/>
+          </p:cNvSpPr>
+          <p:nvPr>
+            <p:ph type="title"/>
+          </p:nvPr>
+        </p:nvSpPr>
+        <p:spPr/>
+        <p:txBody>
+          <a:bodyPr/>
+          <a:lstStyle/>
+          <a:p>
+            <a:r>
+              <a:rPr lang="en-DE" dirty="0">
+                <a:solidFill>
+                  <a:schemeClr val="accent1"/>
+                </a:solidFill>
+              </a:rPr>
+              <a:t>4.)</a:t>
+            </a:r>
+            <a:r>
+              <a:rPr lang="en-DE" sz="3600" b="1" dirty="0">
+                <a:solidFill>
+                  <a:schemeClr val="tx1"/>
+                </a:solidFill>
+              </a:rPr>
+              <a:t> </a:t>
+            </a:r>
+            <a:r>
+              <a:rPr lang="en-DE" sz="3600" dirty="0">
+                <a:solidFill>
+                  <a:schemeClr val="tx1"/>
+                </a:solidFill>
+              </a:rPr>
+              <a:t>Power Law Distributions</a:t>
+            </a:r>
+            <a:br>
+              <a:rPr lang="en-DE" sz="3600" b="1" dirty="0">
+                <a:solidFill>
+                  <a:schemeClr val="tx1"/>
+                </a:solidFill>
+              </a:rPr>
+            </a:br>
+            <a:endParaRPr lang="en-DE" dirty="0">
+              <a:solidFill>
+                <a:schemeClr val="tx1"/>
+              </a:solidFill>
+            </a:endParaRPr>
+          </a:p>
+        </p:txBody>
+      </p:sp>
+      <p:pic>
+        <p:nvPicPr>
+          <p:cNvPr id="4" name="Picture 3" descr="Chart, scatter chart&#10;&#10;Description automatically generated">
+            <a:extLst>
+              <a:ext uri="{FF2B5EF4-FFF2-40B4-BE49-F238E27FC236}">
+                <a16:creationId xmlns:a16="http://schemas.microsoft.com/office/drawing/2014/main" id="{3BBE5FF2-01B9-C858-6699-EF3FC2D913D3}"/>
+              </a:ext>
+            </a:extLst>
+          </p:cNvPr>
+          <p:cNvPicPr>
+            <a:picLocks noChangeAspect="1"/>
+          </p:cNvPicPr>
+          <p:nvPr/>
+        </p:nvPicPr>
+        <p:blipFill>
+          <a:blip r:embed="rId2"/>
+          <a:stretch>
+            <a:fillRect/>
+          </a:stretch>
+        </p:blipFill>
+        <p:spPr>
+          <a:xfrm>
+            <a:off x="0" y="1524000"/>
+            <a:ext cx="6096000" cy="5334000"/>
+          </a:xfrm>
+          <a:prstGeom prst="rect">
+            <a:avLst/>
+          </a:prstGeom>
+        </p:spPr>
+      </p:pic>
+      <p:pic>
+        <p:nvPicPr>
+          <p:cNvPr id="9" name="Picture 8" descr="Chart, scatter chart&#10;&#10;Description automatically generated">
+            <a:extLst>
+              <a:ext uri="{FF2B5EF4-FFF2-40B4-BE49-F238E27FC236}">
+                <a16:creationId xmlns:a16="http://schemas.microsoft.com/office/drawing/2014/main" id="{F06BDB7A-D22E-A594-5FC6-E691C4C7DDB4}"/>
+              </a:ext>
+            </a:extLst>
+          </p:cNvPr>
+          <p:cNvPicPr>
+            <a:picLocks noChangeAspect="1"/>
+          </p:cNvPicPr>
+          <p:nvPr/>
+        </p:nvPicPr>
+        <p:blipFill>
+          <a:blip r:embed="rId3"/>
+          <a:stretch>
+            <a:fillRect/>
+          </a:stretch>
+        </p:blipFill>
+        <p:spPr>
+          <a:xfrm>
+            <a:off x="6075947" y="1524000"/>
+            <a:ext cx="6116053" cy="5334000"/>
+          </a:xfrm>
+          <a:prstGeom prst="rect">
+            <a:avLst/>
+          </a:prstGeom>
+        </p:spPr>
+      </p:pic>
+    </p:spTree>
+    <p:extLst>
+      <p:ext uri="{BB962C8B-B14F-4D97-AF65-F5344CB8AC3E}">
+        <p14:creationId xmlns:p14="http://schemas.microsoft.com/office/powerpoint/2010/main" val="395636399"/>
+      </p:ext>
+    </p:extLst>
+  </p:cSld>
+  <p:clrMapOvr>
+    <a:masterClrMapping/>
+  </p:clrMapOvr>
+</p:sld>
+</file>
+
+<file path=ppt/slides/slide12.xml><?xml version="1.0" encoding="utf-8"?>
+<p:sld xmlns:a="http://schemas.openxmlformats.org/drawingml/2006/main" xmlns:r="http://schemas.openxmlformats.org/officeDocument/2006/relationships" xmlns:p="http://schemas.openxmlformats.org/presentationml/2006/main" showMasterSp="0">
+  <p:cSld>
+    <p:spTree>
+      <p:nvGrpSpPr>
+        <p:cNvPr id="1" name=""/>
+        <p:cNvGrpSpPr/>
+        <p:nvPr/>
+      </p:nvGrpSpPr>
+      <p:grpSpPr>
+        <a:xfrm>
+          <a:off x="0" y="0"/>
+          <a:ext cx="0" cy="0"/>
+          <a:chOff x="0" y="0"/>
+          <a:chExt cx="0" cy="0"/>
+        </a:xfrm>
+      </p:grpSpPr>
+      <p:sp>
+        <p:nvSpPr>
+          <p:cNvPr id="8" name="Title 7">
+            <a:extLst>
+              <a:ext uri="{FF2B5EF4-FFF2-40B4-BE49-F238E27FC236}">
+                <a16:creationId xmlns:a16="http://schemas.microsoft.com/office/drawing/2014/main" id="{AD83C600-B774-2207-DAC6-B0CFA1F74B20}"/>
+              </a:ext>
+            </a:extLst>
+          </p:cNvPr>
+          <p:cNvSpPr>
+            <a:spLocks noGrp="1"/>
+          </p:cNvSpPr>
+          <p:nvPr>
+            <p:ph type="title"/>
+          </p:nvPr>
+        </p:nvSpPr>
+        <p:spPr/>
+        <p:txBody>
+          <a:bodyPr/>
+          <a:lstStyle/>
+          <a:p>
+            <a:r>
+              <a:rPr lang="en-DE" dirty="0">
+                <a:solidFill>
+                  <a:schemeClr val="accent1"/>
+                </a:solidFill>
+              </a:rPr>
+              <a:t>3.) </a:t>
+            </a:r>
+            <a:r>
+              <a:rPr lang="en-DE" dirty="0">
+                <a:solidFill>
+                  <a:schemeClr val="tx1"/>
+                </a:solidFill>
+              </a:rPr>
+              <a:t>Practical Recommendations</a:t>
+            </a:r>
+          </a:p>
+        </p:txBody>
+      </p:sp>
+      <p:sp>
+        <p:nvSpPr>
+          <p:cNvPr id="2" name="Subtitle 9">
+            <a:extLst>
+              <a:ext uri="{FF2B5EF4-FFF2-40B4-BE49-F238E27FC236}">
+                <a16:creationId xmlns:a16="http://schemas.microsoft.com/office/drawing/2014/main" id="{662C6EAA-015D-C494-7DB4-D04D6A7832E8}"/>
+              </a:ext>
+            </a:extLst>
+          </p:cNvPr>
+          <p:cNvSpPr txBox="1">
+            <a:spLocks/>
+          </p:cNvSpPr>
+          <p:nvPr/>
+        </p:nvSpPr>
+        <p:spPr>
+          <a:xfrm>
+            <a:off x="2589212" y="2133600"/>
+            <a:ext cx="8915400" cy="3777622"/>
+          </a:xfrm>
+          <a:prstGeom prst="rect">
+            <a:avLst/>
+          </a:prstGeom>
+        </p:spPr>
+        <p:txBody>
+          <a:bodyPr/>
+          <a:lstStyle>
+            <a:lvl1pPr marL="342900" indent="-342900" algn="l" defTabSz="457200" rtl="0" eaLnBrk="1" latinLnBrk="0" hangingPunct="1">
+              <a:spcBef>
+                <a:spcPts val="1000"/>
+              </a:spcBef>
+              <a:spcAft>
+                <a:spcPts val="0"/>
+              </a:spcAft>
+              <a:buClr>
+                <a:schemeClr val="accent1"/>
+              </a:buClr>
+              <a:buFont typeface="Wingdings 3" charset="2"/>
+              <a:buChar char=""/>
+              <a:defRPr sz="1800" kern="1200">
+                <a:solidFill>
+                  <a:schemeClr val="tx1">
+                    <a:lumMod val="75000"/>
+                    <a:lumOff val="25000"/>
+                  </a:schemeClr>
+                </a:solidFill>
+                <a:latin typeface="+mn-lt"/>
+                <a:ea typeface="+mn-ea"/>
+                <a:cs typeface="+mn-cs"/>
+              </a:defRPr>
+            </a:lvl1pPr>
+            <a:lvl2pPr marL="742950" indent="-285750" algn="l" defTabSz="457200" rtl="0" eaLnBrk="1" latinLnBrk="0" hangingPunct="1">
+              <a:spcBef>
+                <a:spcPts val="1000"/>
+              </a:spcBef>
+              <a:spcAft>
+                <a:spcPts val="0"/>
+              </a:spcAft>
+              <a:buClr>
+                <a:schemeClr val="accent1"/>
+              </a:buClr>
+              <a:buFont typeface="Wingdings 3" charset="2"/>
+              <a:buChar char=""/>
+              <a:defRPr sz="1600" kern="1200">
+                <a:solidFill>
+                  <a:schemeClr val="tx1">
+                    <a:lumMod val="75000"/>
+                    <a:lumOff val="25000"/>
+                  </a:schemeClr>
+                </a:solidFill>
+                <a:latin typeface="+mn-lt"/>
+                <a:ea typeface="+mn-ea"/>
+                <a:cs typeface="+mn-cs"/>
+              </a:defRPr>
+            </a:lvl2pPr>
+            <a:lvl3pPr marL="1143000" indent="-228600" algn="l" defTabSz="457200" rtl="0" eaLnBrk="1" latinLnBrk="0" hangingPunct="1">
+              <a:spcBef>
+                <a:spcPts val="1000"/>
+              </a:spcBef>
+              <a:spcAft>
+                <a:spcPts val="0"/>
+              </a:spcAft>
+              <a:buClr>
+                <a:schemeClr val="accent1"/>
+              </a:buClr>
+              <a:buFont typeface="Wingdings 3" charset="2"/>
+              <a:buChar char=""/>
+              <a:defRPr sz="1400" kern="1200">
+                <a:solidFill>
+                  <a:schemeClr val="tx1">
+                    <a:lumMod val="75000"/>
+                    <a:lumOff val="25000"/>
+                  </a:schemeClr>
+                </a:solidFill>
+                <a:latin typeface="+mn-lt"/>
+                <a:ea typeface="+mn-ea"/>
+                <a:cs typeface="+mn-cs"/>
+              </a:defRPr>
+            </a:lvl3pPr>
+            <a:lvl4pPr marL="1600200" indent="-228600" algn="l" defTabSz="457200" rtl="0" eaLnBrk="1" latinLnBrk="0" hangingPunct="1">
+              <a:spcBef>
+                <a:spcPts val="1000"/>
+              </a:spcBef>
+              <a:spcAft>
+                <a:spcPts val="0"/>
+              </a:spcAft>
+              <a:buClr>
+                <a:schemeClr val="accent1"/>
+              </a:buClr>
+              <a:buFont typeface="Wingdings 3" charset="2"/>
+              <a:buChar char=""/>
+              <a:defRPr sz="1200" kern="1200">
+                <a:solidFill>
+                  <a:schemeClr val="tx1">
+                    <a:lumMod val="75000"/>
+                    <a:lumOff val="25000"/>
+                  </a:schemeClr>
+                </a:solidFill>
+                <a:latin typeface="+mn-lt"/>
+                <a:ea typeface="+mn-ea"/>
+                <a:cs typeface="+mn-cs"/>
+              </a:defRPr>
+            </a:lvl4pPr>
+            <a:lvl5pPr marL="2057400" indent="-228600" algn="l" defTabSz="457200" rtl="0" eaLnBrk="1" latinLnBrk="0" hangingPunct="1">
+              <a:spcBef>
+                <a:spcPts val="1000"/>
+              </a:spcBef>
+              <a:spcAft>
+                <a:spcPts val="0"/>
+              </a:spcAft>
+              <a:buClr>
+                <a:schemeClr val="accent1"/>
+              </a:buClr>
+              <a:buFont typeface="Wingdings 3" charset="2"/>
+              <a:buChar char=""/>
+              <a:defRPr sz="1200" kern="1200">
+                <a:solidFill>
+                  <a:schemeClr val="tx1">
+                    <a:lumMod val="75000"/>
+                    <a:lumOff val="25000"/>
+                  </a:schemeClr>
+                </a:solidFill>
+                <a:latin typeface="+mn-lt"/>
+                <a:ea typeface="+mn-ea"/>
+                <a:cs typeface="+mn-cs"/>
+              </a:defRPr>
+            </a:lvl5pPr>
+            <a:lvl6pPr marL="2514600" indent="-228600" algn="l" defTabSz="457200" rtl="0" eaLnBrk="1" latinLnBrk="0" hangingPunct="1">
+              <a:spcBef>
+                <a:spcPts val="1000"/>
+              </a:spcBef>
+              <a:spcAft>
+                <a:spcPts val="0"/>
+              </a:spcAft>
+              <a:buClr>
+                <a:schemeClr val="accent1"/>
+              </a:buClr>
+              <a:buFont typeface="Wingdings 3" charset="2"/>
+              <a:buChar char=""/>
+              <a:defRPr sz="1200" kern="1200">
+                <a:solidFill>
+                  <a:schemeClr val="tx1">
+                    <a:lumMod val="75000"/>
+                    <a:lumOff val="25000"/>
+                  </a:schemeClr>
+                </a:solidFill>
+                <a:latin typeface="+mn-lt"/>
+                <a:ea typeface="+mn-ea"/>
+                <a:cs typeface="+mn-cs"/>
+              </a:defRPr>
+            </a:lvl6pPr>
+            <a:lvl7pPr marL="2971800" indent="-228600" algn="l" defTabSz="457200" rtl="0" eaLnBrk="1" latinLnBrk="0" hangingPunct="1">
+              <a:spcBef>
+                <a:spcPts val="1000"/>
+              </a:spcBef>
+              <a:spcAft>
+                <a:spcPts val="0"/>
+              </a:spcAft>
+              <a:buClr>
+                <a:schemeClr val="accent1"/>
+              </a:buClr>
+              <a:buFont typeface="Wingdings 3" charset="2"/>
+              <a:buChar char=""/>
+              <a:defRPr sz="1200" kern="1200">
+                <a:solidFill>
+                  <a:schemeClr val="tx1">
+                    <a:lumMod val="75000"/>
+                    <a:lumOff val="25000"/>
+                  </a:schemeClr>
+                </a:solidFill>
+                <a:latin typeface="+mn-lt"/>
+                <a:ea typeface="+mn-ea"/>
+                <a:cs typeface="+mn-cs"/>
+              </a:defRPr>
+            </a:lvl7pPr>
+            <a:lvl8pPr marL="3429000" indent="-228600" algn="l" defTabSz="457200" rtl="0" eaLnBrk="1" latinLnBrk="0" hangingPunct="1">
+              <a:spcBef>
+                <a:spcPts val="1000"/>
+              </a:spcBef>
+              <a:spcAft>
+                <a:spcPts val="0"/>
+              </a:spcAft>
+              <a:buClr>
+                <a:schemeClr val="accent1"/>
+              </a:buClr>
+              <a:buFont typeface="Wingdings 3" charset="2"/>
+              <a:buChar char=""/>
+              <a:defRPr sz="1200" kern="1200">
+                <a:solidFill>
+                  <a:schemeClr val="tx1">
+                    <a:lumMod val="75000"/>
+                    <a:lumOff val="25000"/>
+                  </a:schemeClr>
+                </a:solidFill>
+                <a:latin typeface="+mn-lt"/>
+                <a:ea typeface="+mn-ea"/>
+                <a:cs typeface="+mn-cs"/>
+              </a:defRPr>
+            </a:lvl8pPr>
+            <a:lvl9pPr marL="3886200" indent="-228600" algn="l" defTabSz="457200" rtl="0" eaLnBrk="1" latinLnBrk="0" hangingPunct="1">
+              <a:spcBef>
+                <a:spcPts val="1000"/>
+              </a:spcBef>
+              <a:spcAft>
+                <a:spcPts val="0"/>
+              </a:spcAft>
+              <a:buClr>
+                <a:schemeClr val="accent1"/>
+              </a:buClr>
+              <a:buFont typeface="Wingdings 3" charset="2"/>
+              <a:buChar char=""/>
+              <a:defRPr sz="1200" kern="1200">
+                <a:solidFill>
+                  <a:schemeClr val="tx1">
+                    <a:lumMod val="75000"/>
+                    <a:lumOff val="25000"/>
+                  </a:schemeClr>
+                </a:solidFill>
+                <a:latin typeface="+mn-lt"/>
+                <a:ea typeface="+mn-ea"/>
+                <a:cs typeface="+mn-cs"/>
+              </a:defRPr>
+            </a:lvl9pPr>
+          </a:lstStyle>
+          <a:p>
+            <a:pPr>
+              <a:lnSpc>
+                <a:spcPct val="150000"/>
+              </a:lnSpc>
+              <a:buFont typeface="+mj-lt"/>
+              <a:buAutoNum type="arabicParenR"/>
+            </a:pPr>
+            <a:r>
+              <a:rPr lang="en-DE" b="1" dirty="0">
+                <a:solidFill>
+                  <a:schemeClr val="tx1"/>
+                </a:solidFill>
+              </a:rPr>
+              <a:t>Gathering data that’s less skewed towards developing countries</a:t>
+            </a:r>
+          </a:p>
+          <a:p>
+            <a:pPr>
+              <a:lnSpc>
+                <a:spcPct val="150000"/>
+              </a:lnSpc>
+              <a:buFont typeface="+mj-lt"/>
+              <a:buAutoNum type="arabicParenR"/>
+            </a:pPr>
+            <a:r>
+              <a:rPr lang="en-DE" b="1" dirty="0">
+                <a:solidFill>
+                  <a:schemeClr val="tx1"/>
+                </a:solidFill>
+              </a:rPr>
+              <a:t>Explore reasons for high life expectancy in certain developing countries</a:t>
+            </a:r>
+          </a:p>
+          <a:p>
+            <a:pPr>
+              <a:lnSpc>
+                <a:spcPct val="150000"/>
+              </a:lnSpc>
+              <a:buFont typeface="+mj-lt"/>
+              <a:buAutoNum type="arabicParenR"/>
+            </a:pPr>
+            <a:r>
+              <a:rPr lang="en-US" b="1" dirty="0">
+                <a:solidFill>
+                  <a:schemeClr val="tx1"/>
+                </a:solidFill>
+              </a:rPr>
+              <a:t>Compare algorithmic architecture of ML models to political goals</a:t>
+            </a:r>
+            <a:endParaRPr lang="en-DE" b="1" dirty="0">
+              <a:solidFill>
+                <a:schemeClr val="tx1"/>
+              </a:solidFill>
+            </a:endParaRPr>
+          </a:p>
+          <a:p>
+            <a:pPr>
+              <a:lnSpc>
+                <a:spcPct val="150000"/>
+              </a:lnSpc>
+              <a:buFont typeface="+mj-lt"/>
+              <a:buAutoNum type="arabicParenR"/>
+            </a:pPr>
+            <a:r>
+              <a:rPr lang="en-DE" b="1" dirty="0">
+                <a:solidFill>
+                  <a:schemeClr val="tx1"/>
+                </a:solidFill>
+              </a:rPr>
+              <a:t>Relate data of life expectancy to data of wealth distribution within countries</a:t>
+            </a:r>
+          </a:p>
+          <a:p>
+            <a:pPr>
+              <a:lnSpc>
+                <a:spcPct val="150000"/>
+              </a:lnSpc>
+              <a:buFont typeface="+mj-lt"/>
+              <a:buAutoNum type="arabicParenR"/>
+            </a:pPr>
+            <a:r>
+              <a:rPr lang="en-DE" b="1" dirty="0">
+                <a:solidFill>
+                  <a:schemeClr val="tx1"/>
+                </a:solidFill>
+              </a:rPr>
+              <a:t>Gather an exponential regressor compatible with scikit-learn </a:t>
+            </a:r>
+            <a:endParaRPr lang="en-US" b="1" dirty="0">
+              <a:solidFill>
+                <a:schemeClr val="tx1"/>
+              </a:solidFill>
+            </a:endParaRPr>
+          </a:p>
+        </p:txBody>
+      </p:sp>
+    </p:spTree>
+    <p:extLst>
+      <p:ext uri="{BB962C8B-B14F-4D97-AF65-F5344CB8AC3E}">
+        <p14:creationId xmlns:p14="http://schemas.microsoft.com/office/powerpoint/2010/main" val="2189454346"/>
+      </p:ext>
+    </p:extLst>
+  </p:cSld>
+  <p:clrMapOvr>
+    <a:masterClrMapping/>
+  </p:clrMapOvr>
+</p:sld>
+</file>
+
+<file path=ppt/slides/slide13.xml><?xml version="1.0" encoding="utf-8"?>
+<p:sld xmlns:a="http://schemas.openxmlformats.org/drawingml/2006/main" xmlns:r="http://schemas.openxmlformats.org/officeDocument/2006/relationships" xmlns:p="http://schemas.openxmlformats.org/presentationml/2006/main" showMasterSp="0">
+  <p:cSld>
+    <p:spTree>
+      <p:nvGrpSpPr>
+        <p:cNvPr id="1" name=""/>
+        <p:cNvGrpSpPr/>
+        <p:nvPr/>
+      </p:nvGrpSpPr>
+      <p:grpSpPr>
+        <a:xfrm>
+          <a:off x="0" y="0"/>
+          <a:ext cx="0" cy="0"/>
+          <a:chOff x="0" y="0"/>
+          <a:chExt cx="0" cy="0"/>
+        </a:xfrm>
+      </p:grpSpPr>
+      <p:sp>
+        <p:nvSpPr>
+          <p:cNvPr id="2" name="Title 1">
+            <a:extLst>
+              <a:ext uri="{FF2B5EF4-FFF2-40B4-BE49-F238E27FC236}">
+                <a16:creationId xmlns:a16="http://schemas.microsoft.com/office/drawing/2014/main" id="{48E1627A-71BD-E092-05E2-3B71BAAE4701}"/>
+              </a:ext>
+            </a:extLst>
+          </p:cNvPr>
+          <p:cNvSpPr>
+            <a:spLocks noGrp="1"/>
+          </p:cNvSpPr>
+          <p:nvPr>
+            <p:ph type="ctrTitle"/>
+          </p:nvPr>
+        </p:nvSpPr>
+        <p:spPr>
+          <a:xfrm>
+            <a:off x="2320271" y="1779494"/>
+            <a:ext cx="8915399" cy="2262781"/>
+          </a:xfrm>
+        </p:spPr>
+        <p:txBody>
+          <a:bodyPr/>
+          <a:lstStyle/>
+          <a:p>
+            <a:r>
+              <a:rPr lang="en-DE" dirty="0"/>
+              <a:t>Thank you for listening!</a:t>
+            </a:r>
+          </a:p>
+        </p:txBody>
+      </p:sp>
+    </p:spTree>
+    <p:extLst>
+      <p:ext uri="{BB962C8B-B14F-4D97-AF65-F5344CB8AC3E}">
+        <p14:creationId xmlns:p14="http://schemas.microsoft.com/office/powerpoint/2010/main" val="907848515"/>
+      </p:ext>
+    </p:extLst>
+  </p:cSld>
+  <p:clrMapOvr>
+    <a:masterClrMapping/>
+  </p:clrMapOvr>
+</p:sld>
+</file>
+
+<file path=ppt/slides/slide2.xml><?xml version="1.0" encoding="utf-8"?>
+<p:sld xmlns:a="http://schemas.openxmlformats.org/drawingml/2006/main" xmlns:r="http://schemas.openxmlformats.org/officeDocument/2006/relationships" xmlns:p="http://schemas.openxmlformats.org/presentationml/2006/main" showMasterSp="0">
+  <p:cSld>
+    <p:spTree>
+      <p:nvGrpSpPr>
+        <p:cNvPr id="1" name=""/>
+        <p:cNvGrpSpPr/>
+        <p:nvPr/>
+      </p:nvGrpSpPr>
+      <p:grpSpPr>
+        <a:xfrm>
+          <a:off x="0" y="0"/>
+          <a:ext cx="0" cy="0"/>
+          <a:chOff x="0" y="0"/>
+          <a:chExt cx="0" cy="0"/>
+        </a:xfrm>
+      </p:grpSpPr>
+      <p:sp>
+        <p:nvSpPr>
+          <p:cNvPr id="8" name="Title 7">
+            <a:extLst>
+              <a:ext uri="{FF2B5EF4-FFF2-40B4-BE49-F238E27FC236}">
+                <a16:creationId xmlns:a16="http://schemas.microsoft.com/office/drawing/2014/main" id="{AD83C600-B774-2207-DAC6-B0CFA1F74B20}"/>
+              </a:ext>
+            </a:extLst>
+          </p:cNvPr>
+          <p:cNvSpPr>
+            <a:spLocks noGrp="1"/>
+          </p:cNvSpPr>
+          <p:nvPr>
+            <p:ph type="title"/>
+          </p:nvPr>
+        </p:nvSpPr>
+        <p:spPr/>
+        <p:txBody>
+          <a:bodyPr/>
+          <a:lstStyle/>
+          <a:p>
+            <a:r>
+              <a:rPr lang="en-DE" dirty="0">
+                <a:solidFill>
+                  <a:schemeClr val="tx1"/>
                 </a:solidFill>
               </a:rPr>
               <a:t>Global Life Expectancy </a:t>
@@ -7863,14 +8605,14 @@
             <a:br>
               <a:rPr lang="en-DE" dirty="0">
                 <a:solidFill>
-                  <a:schemeClr val="bg1"/>
+                  <a:schemeClr val="tx1"/>
                 </a:solidFill>
               </a:rPr>
             </a:br>
             <a:r>
               <a:rPr lang="en-DE" dirty="0">
                 <a:solidFill>
-                  <a:schemeClr val="bg1"/>
+                  <a:schemeClr val="tx1"/>
                 </a:solidFill>
               </a:rPr>
               <a:t>2000-2020 WHO</a:t>
@@ -7894,22 +8636,519 @@
             <p:ph idx="1"/>
           </p:nvPr>
         </p:nvSpPr>
+        <p:spPr>
+          <a:xfrm>
+            <a:off x="2589212" y="2133600"/>
+            <a:ext cx="5609908" cy="4465320"/>
+          </a:xfrm>
+        </p:spPr>
+        <p:txBody>
+          <a:bodyPr>
+            <a:noAutofit/>
+          </a:bodyPr>
+          <a:lstStyle/>
+          <a:p>
+            <a:pPr>
+              <a:lnSpc>
+                <a:spcPct val="150000"/>
+              </a:lnSpc>
+              <a:buFont typeface="+mj-lt"/>
+              <a:buAutoNum type="arabicParenR"/>
+            </a:pPr>
+            <a:r>
+              <a:rPr lang="en-DE" sz="2200" b="1" dirty="0">
+                <a:solidFill>
+                  <a:schemeClr val="tx1"/>
+                </a:solidFill>
+              </a:rPr>
+              <a:t>Introduction to Dataset</a:t>
+            </a:r>
+          </a:p>
+          <a:p>
+            <a:pPr>
+              <a:lnSpc>
+                <a:spcPct val="150000"/>
+              </a:lnSpc>
+              <a:buFont typeface="+mj-lt"/>
+              <a:buAutoNum type="arabicParenR"/>
+            </a:pPr>
+            <a:r>
+              <a:rPr lang="en-DE" sz="2200" b="1" dirty="0">
+                <a:solidFill>
+                  <a:schemeClr val="tx1"/>
+                </a:solidFill>
+              </a:rPr>
+              <a:t>Exploratory Data Analysis</a:t>
+            </a:r>
+          </a:p>
+          <a:p>
+            <a:pPr>
+              <a:lnSpc>
+                <a:spcPct val="150000"/>
+              </a:lnSpc>
+              <a:buFont typeface="+mj-lt"/>
+              <a:buAutoNum type="arabicParenR"/>
+            </a:pPr>
+            <a:r>
+              <a:rPr lang="en-DE" sz="2200" b="1" dirty="0">
+                <a:solidFill>
+                  <a:schemeClr val="tx1"/>
+                </a:solidFill>
+              </a:rPr>
+              <a:t>Target Variable Regression</a:t>
+            </a:r>
+          </a:p>
+          <a:p>
+            <a:pPr>
+              <a:lnSpc>
+                <a:spcPct val="150000"/>
+              </a:lnSpc>
+              <a:buFont typeface="+mj-lt"/>
+              <a:buAutoNum type="arabicParenR"/>
+            </a:pPr>
+            <a:r>
+              <a:rPr lang="en-DE" sz="2200" b="1" dirty="0">
+                <a:solidFill>
+                  <a:schemeClr val="tx1"/>
+                </a:solidFill>
+              </a:rPr>
+              <a:t>Power Law Distribution</a:t>
+            </a:r>
+          </a:p>
+          <a:p>
+            <a:pPr>
+              <a:lnSpc>
+                <a:spcPct val="150000"/>
+              </a:lnSpc>
+              <a:buFont typeface="+mj-lt"/>
+              <a:buAutoNum type="arabicParenR"/>
+            </a:pPr>
+            <a:r>
+              <a:rPr lang="en-DE" sz="2200" b="1" dirty="0">
+                <a:solidFill>
+                  <a:schemeClr val="tx1"/>
+                </a:solidFill>
+              </a:rPr>
+              <a:t>Practical recommendations</a:t>
+            </a:r>
+          </a:p>
+        </p:txBody>
+      </p:sp>
+    </p:spTree>
+    <p:extLst>
+      <p:ext uri="{BB962C8B-B14F-4D97-AF65-F5344CB8AC3E}">
+        <p14:creationId xmlns:p14="http://schemas.microsoft.com/office/powerpoint/2010/main" val="1737855182"/>
+      </p:ext>
+    </p:extLst>
+  </p:cSld>
+  <p:clrMapOvr>
+    <a:masterClrMapping/>
+  </p:clrMapOvr>
+</p:sld>
+</file>
+
+<file path=ppt/slides/slide3.xml><?xml version="1.0" encoding="utf-8"?>
+<p:sld xmlns:a="http://schemas.openxmlformats.org/drawingml/2006/main" xmlns:r="http://schemas.openxmlformats.org/officeDocument/2006/relationships" xmlns:p="http://schemas.openxmlformats.org/presentationml/2006/main" showMasterSp="0">
+  <p:cSld>
+    <p:spTree>
+      <p:nvGrpSpPr>
+        <p:cNvPr id="1" name=""/>
+        <p:cNvGrpSpPr/>
+        <p:nvPr/>
+      </p:nvGrpSpPr>
+      <p:grpSpPr>
+        <a:xfrm>
+          <a:off x="0" y="0"/>
+          <a:ext cx="0" cy="0"/>
+          <a:chOff x="0" y="0"/>
+          <a:chExt cx="0" cy="0"/>
+        </a:xfrm>
+      </p:grpSpPr>
+      <p:sp>
+        <p:nvSpPr>
+          <p:cNvPr id="8" name="Title 7">
+            <a:extLst>
+              <a:ext uri="{FF2B5EF4-FFF2-40B4-BE49-F238E27FC236}">
+                <a16:creationId xmlns:a16="http://schemas.microsoft.com/office/drawing/2014/main" id="{AD83C600-B774-2207-DAC6-B0CFA1F74B20}"/>
+              </a:ext>
+            </a:extLst>
+          </p:cNvPr>
+          <p:cNvSpPr>
+            <a:spLocks noGrp="1"/>
+          </p:cNvSpPr>
+          <p:nvPr>
+            <p:ph type="title"/>
+          </p:nvPr>
+        </p:nvSpPr>
         <p:spPr/>
         <p:txBody>
           <a:bodyPr/>
           <a:lstStyle/>
           <a:p>
+            <a:r>
+              <a:rPr lang="en-DE" dirty="0">
+                <a:solidFill>
+                  <a:schemeClr val="accent1"/>
+                </a:solidFill>
+              </a:rPr>
+              <a:t>1.) </a:t>
+            </a:r>
+            <a:r>
+              <a:rPr lang="en-DE" dirty="0">
+                <a:solidFill>
+                  <a:schemeClr val="tx1"/>
+                </a:solidFill>
+              </a:rPr>
+              <a:t>Introduction to Dataset</a:t>
+            </a:r>
+          </a:p>
+        </p:txBody>
+      </p:sp>
+      <p:sp>
+        <p:nvSpPr>
+          <p:cNvPr id="10" name="Subtitle 9">
+            <a:extLst>
+              <a:ext uri="{FF2B5EF4-FFF2-40B4-BE49-F238E27FC236}">
+                <a16:creationId xmlns:a16="http://schemas.microsoft.com/office/drawing/2014/main" id="{C1789A91-ABA9-1999-FE1E-5334032404FD}"/>
+              </a:ext>
+            </a:extLst>
+          </p:cNvPr>
+          <p:cNvSpPr>
+            <a:spLocks noGrp="1"/>
+          </p:cNvSpPr>
+          <p:nvPr>
+            <p:ph idx="1"/>
+          </p:nvPr>
+        </p:nvSpPr>
+        <p:spPr>
+          <a:xfrm>
+            <a:off x="2592925" y="1554480"/>
+            <a:ext cx="5609908" cy="4465320"/>
+          </a:xfrm>
+        </p:spPr>
+        <p:txBody>
+          <a:bodyPr>
+            <a:noAutofit/>
+          </a:bodyPr>
+          <a:lstStyle/>
+          <a:p>
+            <a:pPr>
+              <a:lnSpc>
+                <a:spcPct val="150000"/>
+              </a:lnSpc>
+              <a:buFont typeface="+mj-lt"/>
+              <a:buAutoNum type="arabicParenR"/>
+            </a:pPr>
+            <a:r>
+              <a:rPr lang="en-DE" sz="2200" b="1" dirty="0">
+                <a:solidFill>
+                  <a:schemeClr val="tx1"/>
+                </a:solidFill>
+              </a:rPr>
+              <a:t>193 Countries</a:t>
+            </a:r>
+          </a:p>
+          <a:p>
+            <a:pPr>
+              <a:lnSpc>
+                <a:spcPct val="150000"/>
+              </a:lnSpc>
+              <a:buFont typeface="+mj-lt"/>
+              <a:buAutoNum type="arabicParenR"/>
+            </a:pPr>
+            <a:r>
+              <a:rPr lang="en-DE" sz="2200" b="1" dirty="0">
+                <a:solidFill>
+                  <a:schemeClr val="tx1"/>
+                </a:solidFill>
+              </a:rPr>
+              <a:t>20 Years</a:t>
+            </a:r>
+          </a:p>
+          <a:p>
+            <a:pPr>
+              <a:lnSpc>
+                <a:spcPct val="150000"/>
+              </a:lnSpc>
+              <a:buFont typeface="+mj-lt"/>
+              <a:buAutoNum type="arabicParenR"/>
+            </a:pPr>
+            <a:r>
+              <a:rPr lang="en-DE" sz="2200" b="1" dirty="0">
+                <a:solidFill>
+                  <a:schemeClr val="tx1"/>
+                </a:solidFill>
+              </a:rPr>
+              <a:t>Life Expectancy</a:t>
+            </a:r>
+          </a:p>
+          <a:p>
+            <a:pPr>
+              <a:lnSpc>
+                <a:spcPct val="150000"/>
+              </a:lnSpc>
+              <a:buFont typeface="+mj-lt"/>
+              <a:buAutoNum type="arabicParenR"/>
+            </a:pPr>
+            <a:r>
+              <a:rPr lang="en-DE" sz="2200" b="1" dirty="0">
+                <a:solidFill>
+                  <a:schemeClr val="tx1"/>
+                </a:solidFill>
+              </a:rPr>
+              <a:t>Disease</a:t>
+            </a:r>
+          </a:p>
+          <a:p>
+            <a:pPr>
+              <a:lnSpc>
+                <a:spcPct val="150000"/>
+              </a:lnSpc>
+              <a:buFont typeface="+mj-lt"/>
+              <a:buAutoNum type="arabicParenR"/>
+            </a:pPr>
+            <a:r>
+              <a:rPr lang="en-DE" sz="2200" b="1" dirty="0">
+                <a:solidFill>
+                  <a:schemeClr val="tx1"/>
+                </a:solidFill>
+              </a:rPr>
+              <a:t>Population Size</a:t>
+            </a:r>
+          </a:p>
+          <a:p>
+            <a:pPr>
+              <a:lnSpc>
+                <a:spcPct val="150000"/>
+              </a:lnSpc>
+              <a:buFont typeface="+mj-lt"/>
+              <a:buAutoNum type="arabicParenR"/>
+            </a:pPr>
+            <a:r>
+              <a:rPr lang="en-DE" sz="2200" b="1" dirty="0">
+                <a:solidFill>
+                  <a:schemeClr val="tx1"/>
+                </a:solidFill>
+              </a:rPr>
+              <a:t>Economic (In-)Equality</a:t>
+            </a:r>
+          </a:p>
+          <a:p>
+            <a:pPr>
+              <a:lnSpc>
+                <a:spcPct val="150000"/>
+              </a:lnSpc>
+              <a:buFont typeface="+mj-lt"/>
+              <a:buAutoNum type="arabicParenR"/>
+            </a:pPr>
+            <a:r>
+              <a:rPr lang="en-DE" sz="2200" b="1" dirty="0">
+                <a:solidFill>
+                  <a:schemeClr val="tx1"/>
+                </a:solidFill>
+              </a:rPr>
+              <a:t>Schooling </a:t>
+            </a:r>
+          </a:p>
+        </p:txBody>
+      </p:sp>
+    </p:spTree>
+    <p:extLst>
+      <p:ext uri="{BB962C8B-B14F-4D97-AF65-F5344CB8AC3E}">
+        <p14:creationId xmlns:p14="http://schemas.microsoft.com/office/powerpoint/2010/main" val="364578240"/>
+      </p:ext>
+    </p:extLst>
+  </p:cSld>
+  <p:clrMapOvr>
+    <a:masterClrMapping/>
+  </p:clrMapOvr>
+</p:sld>
+</file>
+
+<file path=ppt/slides/slide4.xml><?xml version="1.0" encoding="utf-8"?>
+<p:sld xmlns:a="http://schemas.openxmlformats.org/drawingml/2006/main" xmlns:r="http://schemas.openxmlformats.org/officeDocument/2006/relationships" xmlns:p="http://schemas.openxmlformats.org/presentationml/2006/main" showMasterSp="0">
+  <p:cSld>
+    <p:spTree>
+      <p:nvGrpSpPr>
+        <p:cNvPr id="1" name=""/>
+        <p:cNvGrpSpPr/>
+        <p:nvPr/>
+      </p:nvGrpSpPr>
+      <p:grpSpPr>
+        <a:xfrm>
+          <a:off x="0" y="0"/>
+          <a:ext cx="0" cy="0"/>
+          <a:chOff x="0" y="0"/>
+          <a:chExt cx="0" cy="0"/>
+        </a:xfrm>
+      </p:grpSpPr>
+      <p:sp>
+        <p:nvSpPr>
+          <p:cNvPr id="8" name="Title 7">
+            <a:extLst>
+              <a:ext uri="{FF2B5EF4-FFF2-40B4-BE49-F238E27FC236}">
+                <a16:creationId xmlns:a16="http://schemas.microsoft.com/office/drawing/2014/main" id="{AD83C600-B774-2207-DAC6-B0CFA1F74B20}"/>
+              </a:ext>
+            </a:extLst>
+          </p:cNvPr>
+          <p:cNvSpPr>
+            <a:spLocks noGrp="1"/>
+          </p:cNvSpPr>
+          <p:nvPr>
+            <p:ph type="title"/>
+          </p:nvPr>
+        </p:nvSpPr>
+        <p:spPr/>
+        <p:txBody>
+          <a:bodyPr/>
+          <a:lstStyle/>
+          <a:p>
+            <a:r>
+              <a:rPr lang="en-DE" dirty="0">
+                <a:solidFill>
+                  <a:schemeClr val="accent1"/>
+                </a:solidFill>
+              </a:rPr>
+              <a:t>2.) </a:t>
+            </a:r>
+            <a:r>
+              <a:rPr lang="en-DE" dirty="0">
+                <a:solidFill>
+                  <a:schemeClr val="tx1"/>
+                </a:solidFill>
+              </a:rPr>
+              <a:t>Exploratory Data Analysis</a:t>
+            </a:r>
+          </a:p>
+        </p:txBody>
+      </p:sp>
+      <p:sp>
+        <p:nvSpPr>
+          <p:cNvPr id="10" name="Subtitle 9">
+            <a:extLst>
+              <a:ext uri="{FF2B5EF4-FFF2-40B4-BE49-F238E27FC236}">
+                <a16:creationId xmlns:a16="http://schemas.microsoft.com/office/drawing/2014/main" id="{C1789A91-ABA9-1999-FE1E-5334032404FD}"/>
+              </a:ext>
+            </a:extLst>
+          </p:cNvPr>
+          <p:cNvSpPr>
+            <a:spLocks noGrp="1"/>
+          </p:cNvSpPr>
+          <p:nvPr>
+            <p:ph idx="1"/>
+          </p:nvPr>
+        </p:nvSpPr>
+        <p:spPr/>
+        <p:txBody>
+          <a:bodyPr/>
+          <a:lstStyle/>
+          <a:p>
+            <a:pPr>
+              <a:lnSpc>
+                <a:spcPct val="150000"/>
+              </a:lnSpc>
+              <a:buFont typeface="+mj-lt"/>
+              <a:buAutoNum type="arabicParenR"/>
+            </a:pPr>
+            <a:r>
+              <a:rPr lang="en-DE" sz="1800" b="1" dirty="0">
+                <a:solidFill>
+                  <a:schemeClr val="tx1"/>
+                </a:solidFill>
+              </a:rPr>
+              <a:t>22 features</a:t>
+            </a:r>
+          </a:p>
+          <a:p>
+            <a:pPr>
+              <a:lnSpc>
+                <a:spcPct val="150000"/>
+              </a:lnSpc>
+              <a:buFont typeface="+mj-lt"/>
+              <a:buAutoNum type="arabicParenR"/>
+            </a:pPr>
+            <a:r>
+              <a:rPr lang="en-DE" sz="1800" b="1" dirty="0">
+                <a:solidFill>
+                  <a:schemeClr val="tx1"/>
+                </a:solidFill>
+              </a:rPr>
+              <a:t>2 categorical features, 20 numerical</a:t>
+            </a:r>
+          </a:p>
+          <a:p>
+            <a:pPr>
+              <a:lnSpc>
+                <a:spcPct val="150000"/>
+              </a:lnSpc>
+              <a:buFont typeface="+mj-lt"/>
+              <a:buAutoNum type="arabicParenR"/>
+            </a:pPr>
+            <a:r>
+              <a:rPr lang="en-DE" sz="1800" b="1" dirty="0">
+                <a:solidFill>
+                  <a:schemeClr val="tx1"/>
+                </a:solidFill>
+              </a:rPr>
+              <a:t>2938 entries</a:t>
+            </a:r>
+          </a:p>
+          <a:p>
+            <a:pPr>
+              <a:lnSpc>
+                <a:spcPct val="150000"/>
+              </a:lnSpc>
+              <a:buFont typeface="+mj-lt"/>
+              <a:buAutoNum type="arabicParenR"/>
+            </a:pPr>
+            <a:r>
+              <a:rPr lang="en-DE" sz="1800" b="1" dirty="0">
+                <a:solidFill>
+                  <a:schemeClr val="tx1"/>
+                </a:solidFill>
+              </a:rPr>
+              <a:t>NaN’s max 22.19% (population)</a:t>
+            </a:r>
+          </a:p>
+          <a:p>
+            <a:pPr>
+              <a:lnSpc>
+                <a:spcPct val="150000"/>
+              </a:lnSpc>
+              <a:buFont typeface="+mj-lt"/>
+              <a:buAutoNum type="arabicParenR"/>
+            </a:pPr>
+            <a:r>
+              <a:rPr lang="en-US" b="1" dirty="0">
+                <a:solidFill>
+                  <a:schemeClr val="tx1"/>
+                </a:solidFill>
+              </a:rPr>
+              <a:t>N</a:t>
+            </a:r>
+            <a:r>
+              <a:rPr lang="en-DE" b="1" dirty="0">
+                <a:solidFill>
+                  <a:schemeClr val="tx1"/>
+                </a:solidFill>
+              </a:rPr>
+              <a:t>o duplicates</a:t>
+            </a:r>
+            <a:endParaRPr lang="en-DE" sz="1800" b="1" dirty="0">
+              <a:solidFill>
+                <a:schemeClr val="tx1"/>
+              </a:solidFill>
+            </a:endParaRPr>
+          </a:p>
+          <a:p>
             <a:pPr marL="0" indent="0">
               <a:buNone/>
             </a:pPr>
-            <a:r>
-              <a:rPr lang="en-DE" dirty="0">
-                <a:solidFill>
-                  <a:schemeClr val="bg1"/>
-                </a:solidFill>
-              </a:rPr>
-              <a:t>Topics of the talk</a:t>
-            </a:r>
+            <a:endParaRPr lang="en-DE" dirty="0">
+              <a:solidFill>
+                <a:schemeClr val="tx1"/>
+              </a:solidFill>
+            </a:endParaRPr>
           </a:p>
         </p:txBody>
       </p:sp>
@@ -7917,6 +9156,835 @@
     <p:extLst>
       <p:ext uri="{BB962C8B-B14F-4D97-AF65-F5344CB8AC3E}">
         <p14:creationId xmlns:p14="http://schemas.microsoft.com/office/powerpoint/2010/main" val="3481990763"/>
+      </p:ext>
+    </p:extLst>
+  </p:cSld>
+  <p:clrMapOvr>
+    <a:masterClrMapping/>
+  </p:clrMapOvr>
+</p:sld>
+</file>
+
+<file path=ppt/slides/slide5.xml><?xml version="1.0" encoding="utf-8"?>
+<p:sld xmlns:a="http://schemas.openxmlformats.org/drawingml/2006/main" xmlns:r="http://schemas.openxmlformats.org/officeDocument/2006/relationships" xmlns:p="http://schemas.openxmlformats.org/presentationml/2006/main" showMasterSp="0">
+  <p:cSld>
+    <p:spTree>
+      <p:nvGrpSpPr>
+        <p:cNvPr id="1" name=""/>
+        <p:cNvGrpSpPr/>
+        <p:nvPr/>
+      </p:nvGrpSpPr>
+      <p:grpSpPr>
+        <a:xfrm>
+          <a:off x="0" y="0"/>
+          <a:ext cx="0" cy="0"/>
+          <a:chOff x="0" y="0"/>
+          <a:chExt cx="0" cy="0"/>
+        </a:xfrm>
+      </p:grpSpPr>
+      <p:sp>
+        <p:nvSpPr>
+          <p:cNvPr id="8" name="Title 7">
+            <a:extLst>
+              <a:ext uri="{FF2B5EF4-FFF2-40B4-BE49-F238E27FC236}">
+                <a16:creationId xmlns:a16="http://schemas.microsoft.com/office/drawing/2014/main" id="{AD83C600-B774-2207-DAC6-B0CFA1F74B20}"/>
+              </a:ext>
+            </a:extLst>
+          </p:cNvPr>
+          <p:cNvSpPr>
+            <a:spLocks noGrp="1"/>
+          </p:cNvSpPr>
+          <p:nvPr>
+            <p:ph type="title"/>
+          </p:nvPr>
+        </p:nvSpPr>
+        <p:spPr/>
+        <p:txBody>
+          <a:bodyPr/>
+          <a:lstStyle/>
+          <a:p>
+            <a:r>
+              <a:rPr lang="en-DE" dirty="0">
+                <a:solidFill>
+                  <a:schemeClr val="accent1"/>
+                </a:solidFill>
+              </a:rPr>
+              <a:t>2.) </a:t>
+            </a:r>
+            <a:r>
+              <a:rPr lang="en-DE" dirty="0">
+                <a:solidFill>
+                  <a:schemeClr val="tx1"/>
+                </a:solidFill>
+              </a:rPr>
+              <a:t>Exploratory Data Analysis</a:t>
+            </a:r>
+          </a:p>
+        </p:txBody>
+      </p:sp>
+      <p:pic>
+        <p:nvPicPr>
+          <p:cNvPr id="3" name="Picture 2" descr="Chart, bar chart&#10;&#10;Description automatically generated">
+            <a:extLst>
+              <a:ext uri="{FF2B5EF4-FFF2-40B4-BE49-F238E27FC236}">
+                <a16:creationId xmlns:a16="http://schemas.microsoft.com/office/drawing/2014/main" id="{C6C331BA-2468-47C5-C7B6-00B25CF65706}"/>
+              </a:ext>
+            </a:extLst>
+          </p:cNvPr>
+          <p:cNvPicPr>
+            <a:picLocks noChangeAspect="1"/>
+          </p:cNvPicPr>
+          <p:nvPr/>
+        </p:nvPicPr>
+        <p:blipFill>
+          <a:blip r:embed="rId2"/>
+          <a:stretch>
+            <a:fillRect/>
+          </a:stretch>
+        </p:blipFill>
+        <p:spPr>
+          <a:xfrm>
+            <a:off x="2592924" y="1441450"/>
+            <a:ext cx="6512118" cy="4959350"/>
+          </a:xfrm>
+          <a:prstGeom prst="rect">
+            <a:avLst/>
+          </a:prstGeom>
+        </p:spPr>
+      </p:pic>
+    </p:spTree>
+    <p:extLst>
+      <p:ext uri="{BB962C8B-B14F-4D97-AF65-F5344CB8AC3E}">
+        <p14:creationId xmlns:p14="http://schemas.microsoft.com/office/powerpoint/2010/main" val="3982346555"/>
+      </p:ext>
+    </p:extLst>
+  </p:cSld>
+  <p:clrMapOvr>
+    <a:masterClrMapping/>
+  </p:clrMapOvr>
+</p:sld>
+</file>
+
+<file path=ppt/slides/slide6.xml><?xml version="1.0" encoding="utf-8"?>
+<p:sld xmlns:a="http://schemas.openxmlformats.org/drawingml/2006/main" xmlns:r="http://schemas.openxmlformats.org/officeDocument/2006/relationships" xmlns:p="http://schemas.openxmlformats.org/presentationml/2006/main" showMasterSp="0">
+  <p:cSld>
+    <p:spTree>
+      <p:nvGrpSpPr>
+        <p:cNvPr id="1" name=""/>
+        <p:cNvGrpSpPr/>
+        <p:nvPr/>
+      </p:nvGrpSpPr>
+      <p:grpSpPr>
+        <a:xfrm>
+          <a:off x="0" y="0"/>
+          <a:ext cx="0" cy="0"/>
+          <a:chOff x="0" y="0"/>
+          <a:chExt cx="0" cy="0"/>
+        </a:xfrm>
+      </p:grpSpPr>
+      <p:sp>
+        <p:nvSpPr>
+          <p:cNvPr id="8" name="Title 7">
+            <a:extLst>
+              <a:ext uri="{FF2B5EF4-FFF2-40B4-BE49-F238E27FC236}">
+                <a16:creationId xmlns:a16="http://schemas.microsoft.com/office/drawing/2014/main" id="{AD83C600-B774-2207-DAC6-B0CFA1F74B20}"/>
+              </a:ext>
+            </a:extLst>
+          </p:cNvPr>
+          <p:cNvSpPr>
+            <a:spLocks noGrp="1"/>
+          </p:cNvSpPr>
+          <p:nvPr>
+            <p:ph type="title"/>
+          </p:nvPr>
+        </p:nvSpPr>
+        <p:spPr/>
+        <p:txBody>
+          <a:bodyPr/>
+          <a:lstStyle/>
+          <a:p>
+            <a:r>
+              <a:rPr lang="en-DE" dirty="0">
+                <a:solidFill>
+                  <a:schemeClr val="accent1"/>
+                </a:solidFill>
+              </a:rPr>
+              <a:t>2.) </a:t>
+            </a:r>
+            <a:r>
+              <a:rPr lang="en-DE" dirty="0">
+                <a:solidFill>
+                  <a:schemeClr val="tx1"/>
+                </a:solidFill>
+              </a:rPr>
+              <a:t>Exploratory Data Analysis</a:t>
+            </a:r>
+          </a:p>
+        </p:txBody>
+      </p:sp>
+      <p:pic>
+        <p:nvPicPr>
+          <p:cNvPr id="4" name="Picture 3" descr="Chart, histogram&#10;&#10;Description automatically generated">
+            <a:extLst>
+              <a:ext uri="{FF2B5EF4-FFF2-40B4-BE49-F238E27FC236}">
+                <a16:creationId xmlns:a16="http://schemas.microsoft.com/office/drawing/2014/main" id="{5C989B3D-6FD7-A35F-FD02-518B79119163}"/>
+              </a:ext>
+            </a:extLst>
+          </p:cNvPr>
+          <p:cNvPicPr>
+            <a:picLocks noChangeAspect="1"/>
+          </p:cNvPicPr>
+          <p:nvPr/>
+        </p:nvPicPr>
+        <p:blipFill>
+          <a:blip r:embed="rId2"/>
+          <a:stretch>
+            <a:fillRect/>
+          </a:stretch>
+        </p:blipFill>
+        <p:spPr>
+          <a:xfrm>
+            <a:off x="3059087" y="1264554"/>
+            <a:ext cx="5421600" cy="5421600"/>
+          </a:xfrm>
+          <a:prstGeom prst="rect">
+            <a:avLst/>
+          </a:prstGeom>
+        </p:spPr>
+      </p:pic>
+    </p:spTree>
+    <p:extLst>
+      <p:ext uri="{BB962C8B-B14F-4D97-AF65-F5344CB8AC3E}">
+        <p14:creationId xmlns:p14="http://schemas.microsoft.com/office/powerpoint/2010/main" val="1640193420"/>
+      </p:ext>
+    </p:extLst>
+  </p:cSld>
+  <p:clrMapOvr>
+    <a:masterClrMapping/>
+  </p:clrMapOvr>
+</p:sld>
+</file>
+
+<file path=ppt/slides/slide7.xml><?xml version="1.0" encoding="utf-8"?>
+<p:sld xmlns:a="http://schemas.openxmlformats.org/drawingml/2006/main" xmlns:r="http://schemas.openxmlformats.org/officeDocument/2006/relationships" xmlns:p="http://schemas.openxmlformats.org/presentationml/2006/main" showMasterSp="0">
+  <p:cSld>
+    <p:spTree>
+      <p:nvGrpSpPr>
+        <p:cNvPr id="1" name=""/>
+        <p:cNvGrpSpPr/>
+        <p:nvPr/>
+      </p:nvGrpSpPr>
+      <p:grpSpPr>
+        <a:xfrm>
+          <a:off x="0" y="0"/>
+          <a:ext cx="0" cy="0"/>
+          <a:chOff x="0" y="0"/>
+          <a:chExt cx="0" cy="0"/>
+        </a:xfrm>
+      </p:grpSpPr>
+      <p:sp>
+        <p:nvSpPr>
+          <p:cNvPr id="8" name="Title 7">
+            <a:extLst>
+              <a:ext uri="{FF2B5EF4-FFF2-40B4-BE49-F238E27FC236}">
+                <a16:creationId xmlns:a16="http://schemas.microsoft.com/office/drawing/2014/main" id="{AD83C600-B774-2207-DAC6-B0CFA1F74B20}"/>
+              </a:ext>
+            </a:extLst>
+          </p:cNvPr>
+          <p:cNvSpPr>
+            <a:spLocks noGrp="1"/>
+          </p:cNvSpPr>
+          <p:nvPr>
+            <p:ph type="title"/>
+          </p:nvPr>
+        </p:nvSpPr>
+        <p:spPr/>
+        <p:txBody>
+          <a:bodyPr/>
+          <a:lstStyle/>
+          <a:p>
+            <a:r>
+              <a:rPr lang="en-DE" dirty="0">
+                <a:solidFill>
+                  <a:schemeClr val="accent1"/>
+                </a:solidFill>
+              </a:rPr>
+              <a:t>2.) </a:t>
+            </a:r>
+            <a:r>
+              <a:rPr lang="en-DE" dirty="0">
+                <a:solidFill>
+                  <a:schemeClr val="tx1"/>
+                </a:solidFill>
+              </a:rPr>
+              <a:t>Exploratory Data Analysis</a:t>
+            </a:r>
+          </a:p>
+        </p:txBody>
+      </p:sp>
+      <p:pic>
+        <p:nvPicPr>
+          <p:cNvPr id="3" name="Picture 2" descr="Chart&#10;&#10;Description automatically generated">
+            <a:extLst>
+              <a:ext uri="{FF2B5EF4-FFF2-40B4-BE49-F238E27FC236}">
+                <a16:creationId xmlns:a16="http://schemas.microsoft.com/office/drawing/2014/main" id="{6E44CE77-E063-506E-D550-1EADA3E08B27}"/>
+              </a:ext>
+            </a:extLst>
+          </p:cNvPr>
+          <p:cNvPicPr>
+            <a:picLocks noChangeAspect="1"/>
+          </p:cNvPicPr>
+          <p:nvPr/>
+        </p:nvPicPr>
+        <p:blipFill>
+          <a:blip r:embed="rId2"/>
+          <a:stretch>
+            <a:fillRect/>
+          </a:stretch>
+        </p:blipFill>
+        <p:spPr>
+          <a:xfrm>
+            <a:off x="343694" y="1337721"/>
+            <a:ext cx="11504611" cy="5520279"/>
+          </a:xfrm>
+          <a:prstGeom prst="rect">
+            <a:avLst/>
+          </a:prstGeom>
+        </p:spPr>
+      </p:pic>
+    </p:spTree>
+    <p:extLst>
+      <p:ext uri="{BB962C8B-B14F-4D97-AF65-F5344CB8AC3E}">
+        <p14:creationId xmlns:p14="http://schemas.microsoft.com/office/powerpoint/2010/main" val="2621796297"/>
+      </p:ext>
+    </p:extLst>
+  </p:cSld>
+  <p:clrMapOvr>
+    <a:masterClrMapping/>
+  </p:clrMapOvr>
+</p:sld>
+</file>
+
+<file path=ppt/slides/slide8.xml><?xml version="1.0" encoding="utf-8"?>
+<p:sld xmlns:a="http://schemas.openxmlformats.org/drawingml/2006/main" xmlns:r="http://schemas.openxmlformats.org/officeDocument/2006/relationships" xmlns:p="http://schemas.openxmlformats.org/presentationml/2006/main" showMasterSp="0">
+  <p:cSld>
+    <p:spTree>
+      <p:nvGrpSpPr>
+        <p:cNvPr id="1" name=""/>
+        <p:cNvGrpSpPr/>
+        <p:nvPr/>
+      </p:nvGrpSpPr>
+      <p:grpSpPr>
+        <a:xfrm>
+          <a:off x="0" y="0"/>
+          <a:ext cx="0" cy="0"/>
+          <a:chOff x="0" y="0"/>
+          <a:chExt cx="0" cy="0"/>
+        </a:xfrm>
+      </p:grpSpPr>
+      <p:sp>
+        <p:nvSpPr>
+          <p:cNvPr id="8" name="Title 7">
+            <a:extLst>
+              <a:ext uri="{FF2B5EF4-FFF2-40B4-BE49-F238E27FC236}">
+                <a16:creationId xmlns:a16="http://schemas.microsoft.com/office/drawing/2014/main" id="{AD83C600-B774-2207-DAC6-B0CFA1F74B20}"/>
+              </a:ext>
+            </a:extLst>
+          </p:cNvPr>
+          <p:cNvSpPr>
+            <a:spLocks noGrp="1"/>
+          </p:cNvSpPr>
+          <p:nvPr>
+            <p:ph type="title"/>
+          </p:nvPr>
+        </p:nvSpPr>
+        <p:spPr/>
+        <p:txBody>
+          <a:bodyPr/>
+          <a:lstStyle/>
+          <a:p>
+            <a:r>
+              <a:rPr lang="en-DE" dirty="0">
+                <a:solidFill>
+                  <a:schemeClr val="accent1"/>
+                </a:solidFill>
+              </a:rPr>
+              <a:t>3.) </a:t>
+            </a:r>
+            <a:r>
+              <a:rPr lang="en-DE" dirty="0">
+                <a:solidFill>
+                  <a:schemeClr val="tx1"/>
+                </a:solidFill>
+              </a:rPr>
+              <a:t>Target Variable Regression</a:t>
+            </a:r>
+          </a:p>
+        </p:txBody>
+      </p:sp>
+      <p:sp>
+        <p:nvSpPr>
+          <p:cNvPr id="2" name="Subtitle 9">
+            <a:extLst>
+              <a:ext uri="{FF2B5EF4-FFF2-40B4-BE49-F238E27FC236}">
+                <a16:creationId xmlns:a16="http://schemas.microsoft.com/office/drawing/2014/main" id="{662C6EAA-015D-C494-7DB4-D04D6A7832E8}"/>
+              </a:ext>
+            </a:extLst>
+          </p:cNvPr>
+          <p:cNvSpPr txBox="1">
+            <a:spLocks/>
+          </p:cNvSpPr>
+          <p:nvPr/>
+        </p:nvSpPr>
+        <p:spPr>
+          <a:xfrm>
+            <a:off x="2589212" y="2133600"/>
+            <a:ext cx="8915400" cy="3777622"/>
+          </a:xfrm>
+          <a:prstGeom prst="rect">
+            <a:avLst/>
+          </a:prstGeom>
+        </p:spPr>
+        <p:txBody>
+          <a:bodyPr/>
+          <a:lstStyle>
+            <a:lvl1pPr marL="342900" indent="-342900" algn="l" defTabSz="457200" rtl="0" eaLnBrk="1" latinLnBrk="0" hangingPunct="1">
+              <a:spcBef>
+                <a:spcPts val="1000"/>
+              </a:spcBef>
+              <a:spcAft>
+                <a:spcPts val="0"/>
+              </a:spcAft>
+              <a:buClr>
+                <a:schemeClr val="accent1"/>
+              </a:buClr>
+              <a:buFont typeface="Wingdings 3" charset="2"/>
+              <a:buChar char=""/>
+              <a:defRPr sz="1800" kern="1200">
+                <a:solidFill>
+                  <a:schemeClr val="tx1">
+                    <a:lumMod val="75000"/>
+                    <a:lumOff val="25000"/>
+                  </a:schemeClr>
+                </a:solidFill>
+                <a:latin typeface="+mn-lt"/>
+                <a:ea typeface="+mn-ea"/>
+                <a:cs typeface="+mn-cs"/>
+              </a:defRPr>
+            </a:lvl1pPr>
+            <a:lvl2pPr marL="742950" indent="-285750" algn="l" defTabSz="457200" rtl="0" eaLnBrk="1" latinLnBrk="0" hangingPunct="1">
+              <a:spcBef>
+                <a:spcPts val="1000"/>
+              </a:spcBef>
+              <a:spcAft>
+                <a:spcPts val="0"/>
+              </a:spcAft>
+              <a:buClr>
+                <a:schemeClr val="accent1"/>
+              </a:buClr>
+              <a:buFont typeface="Wingdings 3" charset="2"/>
+              <a:buChar char=""/>
+              <a:defRPr sz="1600" kern="1200">
+                <a:solidFill>
+                  <a:schemeClr val="tx1">
+                    <a:lumMod val="75000"/>
+                    <a:lumOff val="25000"/>
+                  </a:schemeClr>
+                </a:solidFill>
+                <a:latin typeface="+mn-lt"/>
+                <a:ea typeface="+mn-ea"/>
+                <a:cs typeface="+mn-cs"/>
+              </a:defRPr>
+            </a:lvl2pPr>
+            <a:lvl3pPr marL="1143000" indent="-228600" algn="l" defTabSz="457200" rtl="0" eaLnBrk="1" latinLnBrk="0" hangingPunct="1">
+              <a:spcBef>
+                <a:spcPts val="1000"/>
+              </a:spcBef>
+              <a:spcAft>
+                <a:spcPts val="0"/>
+              </a:spcAft>
+              <a:buClr>
+                <a:schemeClr val="accent1"/>
+              </a:buClr>
+              <a:buFont typeface="Wingdings 3" charset="2"/>
+              <a:buChar char=""/>
+              <a:defRPr sz="1400" kern="1200">
+                <a:solidFill>
+                  <a:schemeClr val="tx1">
+                    <a:lumMod val="75000"/>
+                    <a:lumOff val="25000"/>
+                  </a:schemeClr>
+                </a:solidFill>
+                <a:latin typeface="+mn-lt"/>
+                <a:ea typeface="+mn-ea"/>
+                <a:cs typeface="+mn-cs"/>
+              </a:defRPr>
+            </a:lvl3pPr>
+            <a:lvl4pPr marL="1600200" indent="-228600" algn="l" defTabSz="457200" rtl="0" eaLnBrk="1" latinLnBrk="0" hangingPunct="1">
+              <a:spcBef>
+                <a:spcPts val="1000"/>
+              </a:spcBef>
+              <a:spcAft>
+                <a:spcPts val="0"/>
+              </a:spcAft>
+              <a:buClr>
+                <a:schemeClr val="accent1"/>
+              </a:buClr>
+              <a:buFont typeface="Wingdings 3" charset="2"/>
+              <a:buChar char=""/>
+              <a:defRPr sz="1200" kern="1200">
+                <a:solidFill>
+                  <a:schemeClr val="tx1">
+                    <a:lumMod val="75000"/>
+                    <a:lumOff val="25000"/>
+                  </a:schemeClr>
+                </a:solidFill>
+                <a:latin typeface="+mn-lt"/>
+                <a:ea typeface="+mn-ea"/>
+                <a:cs typeface="+mn-cs"/>
+              </a:defRPr>
+            </a:lvl4pPr>
+            <a:lvl5pPr marL="2057400" indent="-228600" algn="l" defTabSz="457200" rtl="0" eaLnBrk="1" latinLnBrk="0" hangingPunct="1">
+              <a:spcBef>
+                <a:spcPts val="1000"/>
+              </a:spcBef>
+              <a:spcAft>
+                <a:spcPts val="0"/>
+              </a:spcAft>
+              <a:buClr>
+                <a:schemeClr val="accent1"/>
+              </a:buClr>
+              <a:buFont typeface="Wingdings 3" charset="2"/>
+              <a:buChar char=""/>
+              <a:defRPr sz="1200" kern="1200">
+                <a:solidFill>
+                  <a:schemeClr val="tx1">
+                    <a:lumMod val="75000"/>
+                    <a:lumOff val="25000"/>
+                  </a:schemeClr>
+                </a:solidFill>
+                <a:latin typeface="+mn-lt"/>
+                <a:ea typeface="+mn-ea"/>
+                <a:cs typeface="+mn-cs"/>
+              </a:defRPr>
+            </a:lvl5pPr>
+            <a:lvl6pPr marL="2514600" indent="-228600" algn="l" defTabSz="457200" rtl="0" eaLnBrk="1" latinLnBrk="0" hangingPunct="1">
+              <a:spcBef>
+                <a:spcPts val="1000"/>
+              </a:spcBef>
+              <a:spcAft>
+                <a:spcPts val="0"/>
+              </a:spcAft>
+              <a:buClr>
+                <a:schemeClr val="accent1"/>
+              </a:buClr>
+              <a:buFont typeface="Wingdings 3" charset="2"/>
+              <a:buChar char=""/>
+              <a:defRPr sz="1200" kern="1200">
+                <a:solidFill>
+                  <a:schemeClr val="tx1">
+                    <a:lumMod val="75000"/>
+                    <a:lumOff val="25000"/>
+                  </a:schemeClr>
+                </a:solidFill>
+                <a:latin typeface="+mn-lt"/>
+                <a:ea typeface="+mn-ea"/>
+                <a:cs typeface="+mn-cs"/>
+              </a:defRPr>
+            </a:lvl6pPr>
+            <a:lvl7pPr marL="2971800" indent="-228600" algn="l" defTabSz="457200" rtl="0" eaLnBrk="1" latinLnBrk="0" hangingPunct="1">
+              <a:spcBef>
+                <a:spcPts val="1000"/>
+              </a:spcBef>
+              <a:spcAft>
+                <a:spcPts val="0"/>
+              </a:spcAft>
+              <a:buClr>
+                <a:schemeClr val="accent1"/>
+              </a:buClr>
+              <a:buFont typeface="Wingdings 3" charset="2"/>
+              <a:buChar char=""/>
+              <a:defRPr sz="1200" kern="1200">
+                <a:solidFill>
+                  <a:schemeClr val="tx1">
+                    <a:lumMod val="75000"/>
+                    <a:lumOff val="25000"/>
+                  </a:schemeClr>
+                </a:solidFill>
+                <a:latin typeface="+mn-lt"/>
+                <a:ea typeface="+mn-ea"/>
+                <a:cs typeface="+mn-cs"/>
+              </a:defRPr>
+            </a:lvl7pPr>
+            <a:lvl8pPr marL="3429000" indent="-228600" algn="l" defTabSz="457200" rtl="0" eaLnBrk="1" latinLnBrk="0" hangingPunct="1">
+              <a:spcBef>
+                <a:spcPts val="1000"/>
+              </a:spcBef>
+              <a:spcAft>
+                <a:spcPts val="0"/>
+              </a:spcAft>
+              <a:buClr>
+                <a:schemeClr val="accent1"/>
+              </a:buClr>
+              <a:buFont typeface="Wingdings 3" charset="2"/>
+              <a:buChar char=""/>
+              <a:defRPr sz="1200" kern="1200">
+                <a:solidFill>
+                  <a:schemeClr val="tx1">
+                    <a:lumMod val="75000"/>
+                    <a:lumOff val="25000"/>
+                  </a:schemeClr>
+                </a:solidFill>
+                <a:latin typeface="+mn-lt"/>
+                <a:ea typeface="+mn-ea"/>
+                <a:cs typeface="+mn-cs"/>
+              </a:defRPr>
+            </a:lvl8pPr>
+            <a:lvl9pPr marL="3886200" indent="-228600" algn="l" defTabSz="457200" rtl="0" eaLnBrk="1" latinLnBrk="0" hangingPunct="1">
+              <a:spcBef>
+                <a:spcPts val="1000"/>
+              </a:spcBef>
+              <a:spcAft>
+                <a:spcPts val="0"/>
+              </a:spcAft>
+              <a:buClr>
+                <a:schemeClr val="accent1"/>
+              </a:buClr>
+              <a:buFont typeface="Wingdings 3" charset="2"/>
+              <a:buChar char=""/>
+              <a:defRPr sz="1200" kern="1200">
+                <a:solidFill>
+                  <a:schemeClr val="tx1">
+                    <a:lumMod val="75000"/>
+                    <a:lumOff val="25000"/>
+                  </a:schemeClr>
+                </a:solidFill>
+                <a:latin typeface="+mn-lt"/>
+                <a:ea typeface="+mn-ea"/>
+                <a:cs typeface="+mn-cs"/>
+              </a:defRPr>
+            </a:lvl9pPr>
+          </a:lstStyle>
+          <a:p>
+            <a:pPr>
+              <a:lnSpc>
+                <a:spcPct val="150000"/>
+              </a:lnSpc>
+              <a:buFont typeface="+mj-lt"/>
+              <a:buAutoNum type="arabicParenR"/>
+            </a:pPr>
+            <a:r>
+              <a:rPr lang="en-DE" b="1" dirty="0">
+                <a:solidFill>
+                  <a:schemeClr val="tx1"/>
+                </a:solidFill>
+              </a:rPr>
+              <a:t>Linear Regression</a:t>
+            </a:r>
+          </a:p>
+          <a:p>
+            <a:pPr>
+              <a:lnSpc>
+                <a:spcPct val="150000"/>
+              </a:lnSpc>
+              <a:buFont typeface="+mj-lt"/>
+              <a:buAutoNum type="arabicParenR"/>
+            </a:pPr>
+            <a:r>
+              <a:rPr lang="en-DE" b="1" dirty="0">
+                <a:solidFill>
+                  <a:schemeClr val="tx1"/>
+                </a:solidFill>
+              </a:rPr>
+              <a:t>KNN </a:t>
+            </a:r>
+          </a:p>
+          <a:p>
+            <a:pPr>
+              <a:lnSpc>
+                <a:spcPct val="150000"/>
+              </a:lnSpc>
+              <a:buFont typeface="+mj-lt"/>
+              <a:buAutoNum type="arabicParenR"/>
+            </a:pPr>
+            <a:r>
+              <a:rPr lang="en-US" b="1" dirty="0">
+                <a:solidFill>
+                  <a:schemeClr val="tx1"/>
+                </a:solidFill>
+              </a:rPr>
+              <a:t>Decision Tree</a:t>
+            </a:r>
+          </a:p>
+          <a:p>
+            <a:pPr>
+              <a:lnSpc>
+                <a:spcPct val="150000"/>
+              </a:lnSpc>
+              <a:buFont typeface="+mj-lt"/>
+              <a:buAutoNum type="arabicParenR"/>
+            </a:pPr>
+            <a:r>
+              <a:rPr lang="de-DE" b="1" dirty="0">
+                <a:solidFill>
+                  <a:schemeClr val="tx1"/>
+                </a:solidFill>
+              </a:rPr>
+              <a:t>Random Forest</a:t>
+            </a:r>
+            <a:endParaRPr lang="en-DE" b="1" dirty="0">
+              <a:solidFill>
+                <a:schemeClr val="tx1"/>
+              </a:solidFill>
+            </a:endParaRPr>
+          </a:p>
+          <a:p>
+            <a:pPr marL="0" indent="0">
+              <a:buFont typeface="Wingdings 3" charset="2"/>
+              <a:buNone/>
+            </a:pPr>
+            <a:endParaRPr lang="en-DE" dirty="0">
+              <a:solidFill>
+                <a:schemeClr val="tx1"/>
+              </a:solidFill>
+            </a:endParaRPr>
+          </a:p>
+        </p:txBody>
+      </p:sp>
+    </p:spTree>
+    <p:extLst>
+      <p:ext uri="{BB962C8B-B14F-4D97-AF65-F5344CB8AC3E}">
+        <p14:creationId xmlns:p14="http://schemas.microsoft.com/office/powerpoint/2010/main" val="3694320209"/>
+      </p:ext>
+    </p:extLst>
+  </p:cSld>
+  <p:clrMapOvr>
+    <a:masterClrMapping/>
+  </p:clrMapOvr>
+</p:sld>
+</file>
+
+<file path=ppt/slides/slide9.xml><?xml version="1.0" encoding="utf-8"?>
+<p:sld xmlns:a="http://schemas.openxmlformats.org/drawingml/2006/main" xmlns:r="http://schemas.openxmlformats.org/officeDocument/2006/relationships" xmlns:p="http://schemas.openxmlformats.org/presentationml/2006/main" showMasterSp="0">
+  <p:cSld>
+    <p:spTree>
+      <p:nvGrpSpPr>
+        <p:cNvPr id="1" name=""/>
+        <p:cNvGrpSpPr/>
+        <p:nvPr/>
+      </p:nvGrpSpPr>
+      <p:grpSpPr>
+        <a:xfrm>
+          <a:off x="0" y="0"/>
+          <a:ext cx="0" cy="0"/>
+          <a:chOff x="0" y="0"/>
+          <a:chExt cx="0" cy="0"/>
+        </a:xfrm>
+      </p:grpSpPr>
+      <p:sp>
+        <p:nvSpPr>
+          <p:cNvPr id="8" name="Title 7">
+            <a:extLst>
+              <a:ext uri="{FF2B5EF4-FFF2-40B4-BE49-F238E27FC236}">
+                <a16:creationId xmlns:a16="http://schemas.microsoft.com/office/drawing/2014/main" id="{AD83C600-B774-2207-DAC6-B0CFA1F74B20}"/>
+              </a:ext>
+            </a:extLst>
+          </p:cNvPr>
+          <p:cNvSpPr>
+            <a:spLocks noGrp="1"/>
+          </p:cNvSpPr>
+          <p:nvPr>
+            <p:ph type="title"/>
+          </p:nvPr>
+        </p:nvSpPr>
+        <p:spPr/>
+        <p:txBody>
+          <a:bodyPr/>
+          <a:lstStyle/>
+          <a:p>
+            <a:r>
+              <a:rPr lang="en-DE" dirty="0">
+                <a:solidFill>
+                  <a:schemeClr val="accent1"/>
+                </a:solidFill>
+              </a:rPr>
+              <a:t>3.) </a:t>
+            </a:r>
+            <a:r>
+              <a:rPr lang="en-DE" dirty="0">
+                <a:solidFill>
+                  <a:schemeClr val="tx1"/>
+                </a:solidFill>
+              </a:rPr>
+              <a:t>Target Variable Regression</a:t>
+            </a:r>
+          </a:p>
+        </p:txBody>
+      </p:sp>
+      <p:pic>
+        <p:nvPicPr>
+          <p:cNvPr id="4" name="Picture 3" descr="Chart, bar chart&#10;&#10;Description automatically generated">
+            <a:extLst>
+              <a:ext uri="{FF2B5EF4-FFF2-40B4-BE49-F238E27FC236}">
+                <a16:creationId xmlns:a16="http://schemas.microsoft.com/office/drawing/2014/main" id="{B505E565-BDF4-AEEB-3FDE-E3149FB94AE7}"/>
+              </a:ext>
+            </a:extLst>
+          </p:cNvPr>
+          <p:cNvPicPr>
+            <a:picLocks noChangeAspect="1"/>
+          </p:cNvPicPr>
+          <p:nvPr/>
+        </p:nvPicPr>
+        <p:blipFill>
+          <a:blip r:embed="rId2"/>
+          <a:stretch>
+            <a:fillRect/>
+          </a:stretch>
+        </p:blipFill>
+        <p:spPr>
+          <a:xfrm>
+            <a:off x="1489890" y="1434351"/>
+            <a:ext cx="4562252" cy="5244353"/>
+          </a:xfrm>
+          <a:prstGeom prst="rect">
+            <a:avLst/>
+          </a:prstGeom>
+        </p:spPr>
+      </p:pic>
+      <p:pic>
+        <p:nvPicPr>
+          <p:cNvPr id="9" name="Picture 8" descr="Chart, histogram, waterfall chart&#10;&#10;Description automatically generated">
+            <a:extLst>
+              <a:ext uri="{FF2B5EF4-FFF2-40B4-BE49-F238E27FC236}">
+                <a16:creationId xmlns:a16="http://schemas.microsoft.com/office/drawing/2014/main" id="{408C8CAB-DE77-BB63-058B-BF66B2E74198}"/>
+              </a:ext>
+            </a:extLst>
+          </p:cNvPr>
+          <p:cNvPicPr>
+            <a:picLocks noChangeAspect="1"/>
+          </p:cNvPicPr>
+          <p:nvPr/>
+        </p:nvPicPr>
+        <p:blipFill>
+          <a:blip r:embed="rId3"/>
+          <a:stretch>
+            <a:fillRect/>
+          </a:stretch>
+        </p:blipFill>
+        <p:spPr>
+          <a:xfrm>
+            <a:off x="6285224" y="1434351"/>
+            <a:ext cx="4416886" cy="5244353"/>
+          </a:xfrm>
+          <a:prstGeom prst="rect">
+            <a:avLst/>
+          </a:prstGeom>
+        </p:spPr>
+      </p:pic>
+    </p:spTree>
+    <p:extLst>
+      <p:ext uri="{BB962C8B-B14F-4D97-AF65-F5344CB8AC3E}">
+        <p14:creationId xmlns:p14="http://schemas.microsoft.com/office/powerpoint/2010/main" val="3384089987"/>
       </p:ext>
     </p:extLst>
   </p:cSld>

--- a/Presentation_WHO.pptx
+++ b/Presentation_WHO.pptx
@@ -16,8 +16,9 @@
     <p:sldId id="264" r:id="rId10"/>
     <p:sldId id="265" r:id="rId11"/>
     <p:sldId id="266" r:id="rId12"/>
-    <p:sldId id="267" r:id="rId13"/>
-    <p:sldId id="269" r:id="rId14"/>
+    <p:sldId id="270" r:id="rId13"/>
+    <p:sldId id="267" r:id="rId14"/>
+    <p:sldId id="269" r:id="rId15"/>
   </p:sldIdLst>
   <p:sldSz cx="12192000" cy="6858000"/>
   <p:notesSz cx="6858000" cy="9144000"/>
@@ -8127,7 +8128,127 @@
                   <a:schemeClr val="accent1"/>
                 </a:solidFill>
               </a:rPr>
-              <a:t>3.) </a:t>
+              <a:t>5.)</a:t>
+            </a:r>
+            <a:r>
+              <a:rPr lang="en-DE" sz="3600" b="1" dirty="0">
+                <a:solidFill>
+                  <a:schemeClr val="tx1"/>
+                </a:solidFill>
+              </a:rPr>
+              <a:t> </a:t>
+            </a:r>
+            <a:r>
+              <a:rPr lang="en-DE" sz="3600" dirty="0">
+                <a:solidFill>
+                  <a:schemeClr val="tx1"/>
+                </a:solidFill>
+              </a:rPr>
+              <a:t>Prediction by Classifcation</a:t>
+            </a:r>
+            <a:br>
+              <a:rPr lang="en-DE" sz="3600" b="1" dirty="0">
+                <a:solidFill>
+                  <a:schemeClr val="tx1"/>
+                </a:solidFill>
+              </a:rPr>
+            </a:br>
+            <a:endParaRPr lang="en-DE" dirty="0">
+              <a:solidFill>
+                <a:schemeClr val="tx1"/>
+              </a:solidFill>
+            </a:endParaRPr>
+          </a:p>
+        </p:txBody>
+      </p:sp>
+      <p:pic>
+        <p:nvPicPr>
+          <p:cNvPr id="4" name="Picture 3" descr="Chart, bar chart&#10;&#10;Description automatically generated">
+            <a:extLst>
+              <a:ext uri="{FF2B5EF4-FFF2-40B4-BE49-F238E27FC236}">
+                <a16:creationId xmlns:a16="http://schemas.microsoft.com/office/drawing/2014/main" id="{CC53023A-66F4-3ABC-6D32-67DEC29E3302}"/>
+              </a:ext>
+            </a:extLst>
+          </p:cNvPr>
+          <p:cNvPicPr>
+            <a:picLocks noChangeAspect="1"/>
+          </p:cNvPicPr>
+          <p:nvPr/>
+        </p:nvPicPr>
+        <p:blipFill>
+          <a:blip r:embed="rId2"/>
+          <a:stretch>
+            <a:fillRect/>
+          </a:stretch>
+        </p:blipFill>
+        <p:spPr>
+          <a:xfrm>
+            <a:off x="2592924" y="1524000"/>
+            <a:ext cx="6962839" cy="5334000"/>
+          </a:xfrm>
+          <a:prstGeom prst="rect">
+            <a:avLst/>
+          </a:prstGeom>
+        </p:spPr>
+      </p:pic>
+    </p:spTree>
+    <p:extLst>
+      <p:ext uri="{BB962C8B-B14F-4D97-AF65-F5344CB8AC3E}">
+        <p14:creationId xmlns:p14="http://schemas.microsoft.com/office/powerpoint/2010/main" val="2960403603"/>
+      </p:ext>
+    </p:extLst>
+  </p:cSld>
+  <p:clrMapOvr>
+    <a:masterClrMapping/>
+  </p:clrMapOvr>
+</p:sld>
+</file>
+
+<file path=ppt/slides/slide13.xml><?xml version="1.0" encoding="utf-8"?>
+<p:sld xmlns:a="http://schemas.openxmlformats.org/drawingml/2006/main" xmlns:r="http://schemas.openxmlformats.org/officeDocument/2006/relationships" xmlns:p="http://schemas.openxmlformats.org/presentationml/2006/main" showMasterSp="0">
+  <p:cSld>
+    <p:spTree>
+      <p:nvGrpSpPr>
+        <p:cNvPr id="1" name=""/>
+        <p:cNvGrpSpPr/>
+        <p:nvPr/>
+      </p:nvGrpSpPr>
+      <p:grpSpPr>
+        <a:xfrm>
+          <a:off x="0" y="0"/>
+          <a:ext cx="0" cy="0"/>
+          <a:chOff x="0" y="0"/>
+          <a:chExt cx="0" cy="0"/>
+        </a:xfrm>
+      </p:grpSpPr>
+      <p:sp>
+        <p:nvSpPr>
+          <p:cNvPr id="8" name="Title 7">
+            <a:extLst>
+              <a:ext uri="{FF2B5EF4-FFF2-40B4-BE49-F238E27FC236}">
+                <a16:creationId xmlns:a16="http://schemas.microsoft.com/office/drawing/2014/main" id="{AD83C600-B774-2207-DAC6-B0CFA1F74B20}"/>
+              </a:ext>
+            </a:extLst>
+          </p:cNvPr>
+          <p:cNvSpPr>
+            <a:spLocks noGrp="1"/>
+          </p:cNvSpPr>
+          <p:nvPr>
+            <p:ph type="title"/>
+          </p:nvPr>
+        </p:nvSpPr>
+        <p:spPr/>
+        <p:txBody>
+          <a:bodyPr/>
+          <a:lstStyle/>
+          <a:p>
+            <a:r>
+              <a:rPr lang="en-DE" dirty="0">
+                <a:solidFill>
+                  <a:schemeClr val="accent1"/>
+                </a:solidFill>
+              </a:rPr>
+              <a:t>6.) </a:t>
             </a:r>
             <a:r>
               <a:rPr lang="en-DE" dirty="0">
@@ -8493,7 +8614,7 @@
 </p:sld>
 </file>
 
-<file path=ppt/slides/slide13.xml><?xml version="1.0" encoding="utf-8"?>
+<file path=ppt/slides/slide14.xml><?xml version="1.0" encoding="utf-8"?>
 <p:sld xmlns:a="http://schemas.openxmlformats.org/drawingml/2006/main" xmlns:r="http://schemas.openxmlformats.org/officeDocument/2006/relationships" xmlns:p="http://schemas.openxmlformats.org/presentationml/2006/main" showMasterSp="0">
   <p:cSld>
     <p:spTree>
@@ -8713,6 +8834,23 @@
                 </a:solidFill>
               </a:rPr>
               <a:t>Power Law Distribution</a:t>
+            </a:r>
+          </a:p>
+          <a:p>
+            <a:pPr>
+              <a:lnSpc>
+                <a:spcPct val="150000"/>
+              </a:lnSpc>
+              <a:buFont typeface="+mj-lt"/>
+              <a:buAutoNum type="arabicParenR"/>
+            </a:pPr>
+            <a:r>
+              <a:rPr lang="en-DE" sz="2200" b="1" dirty="0">
+                <a:solidFill>
+                  <a:schemeClr val="tx1"/>
+                </a:solidFill>
+              </a:rPr>
+              <a:t>Prediction by Classifcation</a:t>
             </a:r>
           </a:p>
           <a:p>

--- a/Presentation_WHO.pptx
+++ b/Presentation_WHO.pptx
@@ -6,19 +6,20 @@
   </p:sldMasterIdLst>
   <p:sldIdLst>
     <p:sldId id="256" r:id="rId2"/>
-    <p:sldId id="258" r:id="rId3"/>
-    <p:sldId id="259" r:id="rId4"/>
-    <p:sldId id="257" r:id="rId5"/>
-    <p:sldId id="260" r:id="rId6"/>
-    <p:sldId id="261" r:id="rId7"/>
-    <p:sldId id="262" r:id="rId8"/>
-    <p:sldId id="263" r:id="rId9"/>
-    <p:sldId id="264" r:id="rId10"/>
-    <p:sldId id="265" r:id="rId11"/>
-    <p:sldId id="266" r:id="rId12"/>
-    <p:sldId id="270" r:id="rId13"/>
-    <p:sldId id="267" r:id="rId14"/>
-    <p:sldId id="269" r:id="rId15"/>
+    <p:sldId id="272" r:id="rId3"/>
+    <p:sldId id="258" r:id="rId4"/>
+    <p:sldId id="259" r:id="rId5"/>
+    <p:sldId id="257" r:id="rId6"/>
+    <p:sldId id="260" r:id="rId7"/>
+    <p:sldId id="261" r:id="rId8"/>
+    <p:sldId id="262" r:id="rId9"/>
+    <p:sldId id="263" r:id="rId10"/>
+    <p:sldId id="264" r:id="rId11"/>
+    <p:sldId id="265" r:id="rId12"/>
+    <p:sldId id="266" r:id="rId13"/>
+    <p:sldId id="270" r:id="rId14"/>
+    <p:sldId id="267" r:id="rId15"/>
+    <p:sldId id="269" r:id="rId16"/>
   </p:sldIdLst>
   <p:sldSz cx="12192000" cy="6858000"/>
   <p:notesSz cx="6858000" cy="9144000"/>
@@ -7893,6 +7894,136 @@
       </p:sp>
       <p:pic>
         <p:nvPicPr>
+          <p:cNvPr id="4" name="Picture 3" descr="Chart, bar chart&#10;&#10;Description automatically generated">
+            <a:extLst>
+              <a:ext uri="{FF2B5EF4-FFF2-40B4-BE49-F238E27FC236}">
+                <a16:creationId xmlns:a16="http://schemas.microsoft.com/office/drawing/2014/main" id="{B505E565-BDF4-AEEB-3FDE-E3149FB94AE7}"/>
+              </a:ext>
+            </a:extLst>
+          </p:cNvPr>
+          <p:cNvPicPr>
+            <a:picLocks noChangeAspect="1"/>
+          </p:cNvPicPr>
+          <p:nvPr/>
+        </p:nvPicPr>
+        <p:blipFill>
+          <a:blip r:embed="rId2"/>
+          <a:stretch>
+            <a:fillRect/>
+          </a:stretch>
+        </p:blipFill>
+        <p:spPr>
+          <a:xfrm>
+            <a:off x="1489890" y="1434351"/>
+            <a:ext cx="4562252" cy="5244353"/>
+          </a:xfrm>
+          <a:prstGeom prst="rect">
+            <a:avLst/>
+          </a:prstGeom>
+        </p:spPr>
+      </p:pic>
+      <p:pic>
+        <p:nvPicPr>
+          <p:cNvPr id="9" name="Picture 8" descr="Chart, histogram, waterfall chart&#10;&#10;Description automatically generated">
+            <a:extLst>
+              <a:ext uri="{FF2B5EF4-FFF2-40B4-BE49-F238E27FC236}">
+                <a16:creationId xmlns:a16="http://schemas.microsoft.com/office/drawing/2014/main" id="{408C8CAB-DE77-BB63-058B-BF66B2E74198}"/>
+              </a:ext>
+            </a:extLst>
+          </p:cNvPr>
+          <p:cNvPicPr>
+            <a:picLocks noChangeAspect="1"/>
+          </p:cNvPicPr>
+          <p:nvPr/>
+        </p:nvPicPr>
+        <p:blipFill>
+          <a:blip r:embed="rId3"/>
+          <a:stretch>
+            <a:fillRect/>
+          </a:stretch>
+        </p:blipFill>
+        <p:spPr>
+          <a:xfrm>
+            <a:off x="6285224" y="1434351"/>
+            <a:ext cx="4416886" cy="5244353"/>
+          </a:xfrm>
+          <a:prstGeom prst="rect">
+            <a:avLst/>
+          </a:prstGeom>
+        </p:spPr>
+      </p:pic>
+    </p:spTree>
+    <p:extLst>
+      <p:ext uri="{BB962C8B-B14F-4D97-AF65-F5344CB8AC3E}">
+        <p14:creationId xmlns:p14="http://schemas.microsoft.com/office/powerpoint/2010/main" val="3384089987"/>
+      </p:ext>
+    </p:extLst>
+  </p:cSld>
+  <p:clrMapOvr>
+    <a:masterClrMapping/>
+  </p:clrMapOvr>
+</p:sld>
+</file>
+
+<file path=ppt/slides/slide11.xml><?xml version="1.0" encoding="utf-8"?>
+<p:sld xmlns:a="http://schemas.openxmlformats.org/drawingml/2006/main" xmlns:r="http://schemas.openxmlformats.org/officeDocument/2006/relationships" xmlns:p="http://schemas.openxmlformats.org/presentationml/2006/main" showMasterSp="0">
+  <p:cSld>
+    <p:spTree>
+      <p:nvGrpSpPr>
+        <p:cNvPr id="1" name=""/>
+        <p:cNvGrpSpPr/>
+        <p:nvPr/>
+      </p:nvGrpSpPr>
+      <p:grpSpPr>
+        <a:xfrm>
+          <a:off x="0" y="0"/>
+          <a:ext cx="0" cy="0"/>
+          <a:chOff x="0" y="0"/>
+          <a:chExt cx="0" cy="0"/>
+        </a:xfrm>
+      </p:grpSpPr>
+      <p:sp>
+        <p:nvSpPr>
+          <p:cNvPr id="8" name="Title 7">
+            <a:extLst>
+              <a:ext uri="{FF2B5EF4-FFF2-40B4-BE49-F238E27FC236}">
+                <a16:creationId xmlns:a16="http://schemas.microsoft.com/office/drawing/2014/main" id="{AD83C600-B774-2207-DAC6-B0CFA1F74B20}"/>
+              </a:ext>
+            </a:extLst>
+          </p:cNvPr>
+          <p:cNvSpPr>
+            <a:spLocks noGrp="1"/>
+          </p:cNvSpPr>
+          <p:nvPr>
+            <p:ph type="title"/>
+          </p:nvPr>
+        </p:nvSpPr>
+        <p:spPr/>
+        <p:txBody>
+          <a:bodyPr/>
+          <a:lstStyle/>
+          <a:p>
+            <a:r>
+              <a:rPr lang="en-DE" dirty="0">
+                <a:solidFill>
+                  <a:schemeClr val="accent1"/>
+                </a:solidFill>
+              </a:rPr>
+              <a:t>3.) </a:t>
+            </a:r>
+            <a:r>
+              <a:rPr lang="en-DE" dirty="0">
+                <a:solidFill>
+                  <a:schemeClr val="tx1"/>
+                </a:solidFill>
+              </a:rPr>
+              <a:t>Target Variable Regression</a:t>
+            </a:r>
+          </a:p>
+        </p:txBody>
+      </p:sp>
+      <p:pic>
+        <p:nvPicPr>
           <p:cNvPr id="3" name="Picture 2" descr="Chart, bar chart&#10;&#10;Description automatically generated">
             <a:extLst>
               <a:ext uri="{FF2B5EF4-FFF2-40B4-BE49-F238E27FC236}">
@@ -7934,7 +8065,7 @@
 </p:sld>
 </file>
 
-<file path=ppt/slides/slide11.xml><?xml version="1.0" encoding="utf-8"?>
+<file path=ppt/slides/slide12.xml><?xml version="1.0" encoding="utf-8"?>
 <p:sld xmlns:a="http://schemas.openxmlformats.org/drawingml/2006/main" xmlns:r="http://schemas.openxmlformats.org/officeDocument/2006/relationships" xmlns:p="http://schemas.openxmlformats.org/presentationml/2006/main" showMasterSp="0">
   <p:cSld>
     <p:spTree>
@@ -8084,7 +8215,7 @@
 </p:sld>
 </file>
 
-<file path=ppt/slides/slide12.xml><?xml version="1.0" encoding="utf-8"?>
+<file path=ppt/slides/slide13.xml><?xml version="1.0" encoding="utf-8"?>
 <p:sld xmlns:a="http://schemas.openxmlformats.org/drawingml/2006/main" xmlns:r="http://schemas.openxmlformats.org/officeDocument/2006/relationships" xmlns:p="http://schemas.openxmlformats.org/presentationml/2006/main" showMasterSp="0">
   <p:cSld>
     <p:spTree>
@@ -8204,7 +8335,7 @@
 </p:sld>
 </file>
 
-<file path=ppt/slides/slide13.xml><?xml version="1.0" encoding="utf-8"?>
+<file path=ppt/slides/slide14.xml><?xml version="1.0" encoding="utf-8"?>
 <p:sld xmlns:a="http://schemas.openxmlformats.org/drawingml/2006/main" xmlns:r="http://schemas.openxmlformats.org/officeDocument/2006/relationships" xmlns:p="http://schemas.openxmlformats.org/presentationml/2006/main" showMasterSp="0">
   <p:cSld>
     <p:spTree>
@@ -8552,7 +8683,7 @@
                   <a:schemeClr val="tx1"/>
                 </a:solidFill>
               </a:rPr>
-              <a:t>Compare algorithmic architecture of ML models to political goals</a:t>
+              <a:t>Compare algorithmic architecture of ML models to politico-economic goals</a:t>
             </a:r>
             <a:endParaRPr lang="en-DE" b="1" dirty="0">
               <a:solidFill>
@@ -8614,7 +8745,7 @@
 </p:sld>
 </file>
 
-<file path=ppt/slides/slide14.xml><?xml version="1.0" encoding="utf-8"?>
+<file path=ppt/slides/slide15.xml><?xml version="1.0" encoding="utf-8"?>
 <p:sld xmlns:a="http://schemas.openxmlformats.org/drawingml/2006/main" xmlns:r="http://schemas.openxmlformats.org/officeDocument/2006/relationships" xmlns:p="http://schemas.openxmlformats.org/presentationml/2006/main" showMasterSp="0">
   <p:cSld>
     <p:spTree>
@@ -8694,12 +8825,12 @@
           <a:chExt cx="0" cy="0"/>
         </a:xfrm>
       </p:grpSpPr>
-      <p:sp>
-        <p:nvSpPr>
-          <p:cNvPr id="8" name="Title 7">
+      <p:sp useBgFill="1">
+        <p:nvSpPr>
+          <p:cNvPr id="2" name="Title 1">
             <a:extLst>
               <a:ext uri="{FF2B5EF4-FFF2-40B4-BE49-F238E27FC236}">
-                <a16:creationId xmlns:a16="http://schemas.microsoft.com/office/drawing/2014/main" id="{AD83C600-B774-2207-DAC6-B0CFA1F74B20}"/>
+                <a16:creationId xmlns:a16="http://schemas.microsoft.com/office/drawing/2014/main" id="{9DA033C9-807E-E6DF-F714-35DD4ACCDFC7}"/>
               </a:ext>
             </a:extLst>
           </p:cNvPr>
@@ -8710,164 +8841,28 @@
             <p:ph type="title"/>
           </p:nvPr>
         </p:nvSpPr>
-        <p:spPr/>
-        <p:txBody>
-          <a:bodyPr/>
-          <a:lstStyle/>
-          <a:p>
-            <a:r>
-              <a:rPr lang="en-DE" dirty="0">
-                <a:solidFill>
-                  <a:schemeClr val="tx1"/>
-                </a:solidFill>
-              </a:rPr>
-              <a:t>Global Life Expectancy </a:t>
-            </a:r>
-            <a:br>
-              <a:rPr lang="en-DE" dirty="0">
-                <a:solidFill>
-                  <a:schemeClr val="tx1"/>
-                </a:solidFill>
-              </a:rPr>
-            </a:br>
-            <a:r>
-              <a:rPr lang="en-DE" dirty="0">
-                <a:solidFill>
-                  <a:schemeClr val="tx1"/>
-                </a:solidFill>
-              </a:rPr>
-              <a:t>2000-2020 WHO</a:t>
-            </a:r>
-          </a:p>
-        </p:txBody>
-      </p:sp>
-      <p:sp>
-        <p:nvSpPr>
-          <p:cNvPr id="10" name="Subtitle 9">
-            <a:extLst>
-              <a:ext uri="{FF2B5EF4-FFF2-40B4-BE49-F238E27FC236}">
-                <a16:creationId xmlns:a16="http://schemas.microsoft.com/office/drawing/2014/main" id="{C1789A91-ABA9-1999-FE1E-5334032404FD}"/>
-              </a:ext>
-            </a:extLst>
-          </p:cNvPr>
-          <p:cNvSpPr>
-            <a:spLocks noGrp="1"/>
-          </p:cNvSpPr>
-          <p:nvPr>
-            <p:ph idx="1"/>
-          </p:nvPr>
-        </p:nvSpPr>
         <p:spPr>
           <a:xfrm>
-            <a:off x="2589212" y="2133600"/>
-            <a:ext cx="5609908" cy="4465320"/>
+            <a:off x="1892526" y="2286000"/>
+            <a:ext cx="8915399" cy="1807607"/>
           </a:xfrm>
         </p:spPr>
         <p:txBody>
           <a:bodyPr>
-            <a:noAutofit/>
+            <a:normAutofit fontScale="90000"/>
           </a:bodyPr>
           <a:lstStyle/>
           <a:p>
-            <a:pPr>
-              <a:lnSpc>
-                <a:spcPct val="150000"/>
-              </a:lnSpc>
-              <a:buFont typeface="+mj-lt"/>
-              <a:buAutoNum type="arabicParenR"/>
-            </a:pPr>
-            <a:r>
-              <a:rPr lang="en-DE" sz="2200" b="1" dirty="0">
-                <a:solidFill>
-                  <a:schemeClr val="tx1"/>
-                </a:solidFill>
-              </a:rPr>
-              <a:t>Introduction to Dataset</a:t>
-            </a:r>
-          </a:p>
-          <a:p>
-            <a:pPr>
-              <a:lnSpc>
-                <a:spcPct val="150000"/>
-              </a:lnSpc>
-              <a:buFont typeface="+mj-lt"/>
-              <a:buAutoNum type="arabicParenR"/>
-            </a:pPr>
-            <a:r>
-              <a:rPr lang="en-DE" sz="2200" b="1" dirty="0">
-                <a:solidFill>
-                  <a:schemeClr val="tx1"/>
-                </a:solidFill>
-              </a:rPr>
-              <a:t>Exploratory Data Analysis</a:t>
-            </a:r>
-          </a:p>
-          <a:p>
-            <a:pPr>
-              <a:lnSpc>
-                <a:spcPct val="150000"/>
-              </a:lnSpc>
-              <a:buFont typeface="+mj-lt"/>
-              <a:buAutoNum type="arabicParenR"/>
-            </a:pPr>
-            <a:r>
-              <a:rPr lang="en-DE" sz="2200" b="1" dirty="0">
-                <a:solidFill>
-                  <a:schemeClr val="tx1"/>
-                </a:solidFill>
-              </a:rPr>
-              <a:t>Target Variable Regression</a:t>
-            </a:r>
-          </a:p>
-          <a:p>
-            <a:pPr>
-              <a:lnSpc>
-                <a:spcPct val="150000"/>
-              </a:lnSpc>
-              <a:buFont typeface="+mj-lt"/>
-              <a:buAutoNum type="arabicParenR"/>
-            </a:pPr>
-            <a:r>
-              <a:rPr lang="en-DE" sz="2200" b="1" dirty="0">
-                <a:solidFill>
-                  <a:schemeClr val="tx1"/>
-                </a:solidFill>
-              </a:rPr>
-              <a:t>Power Law Distribution</a:t>
-            </a:r>
-          </a:p>
-          <a:p>
-            <a:pPr>
-              <a:lnSpc>
-                <a:spcPct val="150000"/>
-              </a:lnSpc>
-              <a:buFont typeface="+mj-lt"/>
-              <a:buAutoNum type="arabicParenR"/>
-            </a:pPr>
-            <a:r>
-              <a:rPr lang="en-DE" sz="2200" b="1" dirty="0">
-                <a:solidFill>
-                  <a:schemeClr val="tx1"/>
-                </a:solidFill>
-              </a:rPr>
-              <a:t>Prediction by Classifcation</a:t>
-            </a:r>
-          </a:p>
-          <a:p>
-            <a:pPr>
-              <a:lnSpc>
-                <a:spcPct val="150000"/>
-              </a:lnSpc>
-              <a:buFont typeface="+mj-lt"/>
-              <a:buAutoNum type="arabicParenR"/>
-            </a:pPr>
-            <a:r>
-              <a:rPr lang="en-DE" sz="2200" b="1" dirty="0">
-                <a:solidFill>
-                  <a:schemeClr val="tx1"/>
-                </a:solidFill>
-              </a:rPr>
-              <a:t>Practical recommendations</a:t>
+            <a:r>
+              <a:rPr lang="en-DE" b="1" dirty="0"/>
+              <a:t>Goal: </a:t>
+            </a:r>
+            <a:br>
+              <a:rPr lang="en-DE" dirty="0"/>
+            </a:br>
+            <a:r>
+              <a:rPr lang="en-DE" dirty="0"/>
+              <a:t>Predict Life Expectancy and its Politico-Economic Antecedents</a:t>
             </a:r>
           </a:p>
         </p:txBody>
@@ -8875,7 +8870,7 @@
     </p:spTree>
     <p:extLst>
       <p:ext uri="{BB962C8B-B14F-4D97-AF65-F5344CB8AC3E}">
-        <p14:creationId xmlns:p14="http://schemas.microsoft.com/office/powerpoint/2010/main" val="1737855182"/>
+        <p14:creationId xmlns:p14="http://schemas.microsoft.com/office/powerpoint/2010/main" val="1701457053"/>
       </p:ext>
     </p:extLst>
   </p:cSld>
@@ -8926,18 +8921,25 @@
             <a:r>
               <a:rPr lang="en-DE" dirty="0">
                 <a:solidFill>
-                  <a:schemeClr val="accent1"/>
+                  <a:schemeClr val="tx1"/>
                 </a:solidFill>
               </a:rPr>
-              <a:t>1.) </a:t>
-            </a:r>
-            <a:r>
+              <a:t>Global Life Expectancy </a:t>
+            </a:r>
+            <a:br>
               <a:rPr lang="en-DE" dirty="0">
                 <a:solidFill>
                   <a:schemeClr val="tx1"/>
                 </a:solidFill>
               </a:rPr>
-              <a:t>Introduction to Dataset</a:t>
+            </a:br>
+            <a:r>
+              <a:rPr lang="en-DE" dirty="0">
+                <a:solidFill>
+                  <a:schemeClr val="tx1"/>
+                </a:solidFill>
+              </a:rPr>
+              <a:t>2000-2020 WHO</a:t>
             </a:r>
           </a:p>
         </p:txBody>
@@ -8960,7 +8962,7 @@
         </p:nvSpPr>
         <p:spPr>
           <a:xfrm>
-            <a:off x="2592925" y="1554480"/>
+            <a:off x="2589212" y="2133600"/>
             <a:ext cx="5609908" cy="4465320"/>
           </a:xfrm>
         </p:spPr>
@@ -8983,7 +8985,7 @@
                   <a:schemeClr val="tx1"/>
                 </a:solidFill>
               </a:rPr>
-              <a:t>193 Countries</a:t>
+              <a:t>Introduction to Dataset</a:t>
             </a:r>
           </a:p>
           <a:p>
@@ -9000,7 +9002,7 @@
                   <a:schemeClr val="tx1"/>
                 </a:solidFill>
               </a:rPr>
-              <a:t>20 Years</a:t>
+              <a:t>Exploratory Data Analysis</a:t>
             </a:r>
           </a:p>
           <a:p>
@@ -9017,7 +9019,7 @@
                   <a:schemeClr val="tx1"/>
                 </a:solidFill>
               </a:rPr>
-              <a:t>Life Expectancy</a:t>
+              <a:t>Target Variable Regression</a:t>
             </a:r>
           </a:p>
           <a:p>
@@ -9034,7 +9036,7 @@
                   <a:schemeClr val="tx1"/>
                 </a:solidFill>
               </a:rPr>
-              <a:t>Disease</a:t>
+              <a:t>Power Law Distribution</a:t>
             </a:r>
           </a:p>
           <a:p>
@@ -9051,7 +9053,7 @@
                   <a:schemeClr val="tx1"/>
                 </a:solidFill>
               </a:rPr>
-              <a:t>Population Size</a:t>
+              <a:t>Prediction by Classifcation</a:t>
             </a:r>
           </a:p>
           <a:p>
@@ -9068,24 +9070,7 @@
                   <a:schemeClr val="tx1"/>
                 </a:solidFill>
               </a:rPr>
-              <a:t>Economic (In-)Equality</a:t>
-            </a:r>
-          </a:p>
-          <a:p>
-            <a:pPr>
-              <a:lnSpc>
-                <a:spcPct val="150000"/>
-              </a:lnSpc>
-              <a:buFont typeface="+mj-lt"/>
-              <a:buAutoNum type="arabicParenR"/>
-            </a:pPr>
-            <a:r>
-              <a:rPr lang="en-DE" sz="2200" b="1" dirty="0">
-                <a:solidFill>
-                  <a:schemeClr val="tx1"/>
-                </a:solidFill>
-              </a:rPr>
-              <a:t>Schooling </a:t>
+              <a:t>Practical recommendations</a:t>
             </a:r>
           </a:p>
         </p:txBody>
@@ -9093,7 +9078,7 @@
     </p:spTree>
     <p:extLst>
       <p:ext uri="{BB962C8B-B14F-4D97-AF65-F5344CB8AC3E}">
-        <p14:creationId xmlns:p14="http://schemas.microsoft.com/office/powerpoint/2010/main" val="364578240"/>
+        <p14:creationId xmlns:p14="http://schemas.microsoft.com/office/powerpoint/2010/main" val="1737855182"/>
       </p:ext>
     </p:extLst>
   </p:cSld>
@@ -9147,6 +9132,224 @@
                   <a:schemeClr val="accent1"/>
                 </a:solidFill>
               </a:rPr>
+              <a:t>1.) </a:t>
+            </a:r>
+            <a:r>
+              <a:rPr lang="en-DE" dirty="0">
+                <a:solidFill>
+                  <a:schemeClr val="tx1"/>
+                </a:solidFill>
+              </a:rPr>
+              <a:t>Introduction to Dataset</a:t>
+            </a:r>
+          </a:p>
+        </p:txBody>
+      </p:sp>
+      <p:sp>
+        <p:nvSpPr>
+          <p:cNvPr id="10" name="Subtitle 9">
+            <a:extLst>
+              <a:ext uri="{FF2B5EF4-FFF2-40B4-BE49-F238E27FC236}">
+                <a16:creationId xmlns:a16="http://schemas.microsoft.com/office/drawing/2014/main" id="{C1789A91-ABA9-1999-FE1E-5334032404FD}"/>
+              </a:ext>
+            </a:extLst>
+          </p:cNvPr>
+          <p:cNvSpPr>
+            <a:spLocks noGrp="1"/>
+          </p:cNvSpPr>
+          <p:nvPr>
+            <p:ph idx="1"/>
+          </p:nvPr>
+        </p:nvSpPr>
+        <p:spPr>
+          <a:xfrm>
+            <a:off x="2592925" y="1554480"/>
+            <a:ext cx="5609908" cy="4465320"/>
+          </a:xfrm>
+        </p:spPr>
+        <p:txBody>
+          <a:bodyPr>
+            <a:noAutofit/>
+          </a:bodyPr>
+          <a:lstStyle/>
+          <a:p>
+            <a:pPr>
+              <a:lnSpc>
+                <a:spcPct val="150000"/>
+              </a:lnSpc>
+              <a:buFont typeface="+mj-lt"/>
+              <a:buAutoNum type="arabicParenR"/>
+            </a:pPr>
+            <a:r>
+              <a:rPr lang="en-DE" sz="2200" b="1" dirty="0">
+                <a:solidFill>
+                  <a:schemeClr val="tx1"/>
+                </a:solidFill>
+              </a:rPr>
+              <a:t>193 Countries</a:t>
+            </a:r>
+          </a:p>
+          <a:p>
+            <a:pPr>
+              <a:lnSpc>
+                <a:spcPct val="150000"/>
+              </a:lnSpc>
+              <a:buFont typeface="+mj-lt"/>
+              <a:buAutoNum type="arabicParenR"/>
+            </a:pPr>
+            <a:r>
+              <a:rPr lang="en-DE" sz="2200" b="1" dirty="0">
+                <a:solidFill>
+                  <a:schemeClr val="tx1"/>
+                </a:solidFill>
+              </a:rPr>
+              <a:t>20 Years</a:t>
+            </a:r>
+          </a:p>
+          <a:p>
+            <a:pPr>
+              <a:lnSpc>
+                <a:spcPct val="150000"/>
+              </a:lnSpc>
+              <a:buFont typeface="+mj-lt"/>
+              <a:buAutoNum type="arabicParenR"/>
+            </a:pPr>
+            <a:r>
+              <a:rPr lang="en-DE" sz="2200" b="1" dirty="0">
+                <a:solidFill>
+                  <a:schemeClr val="tx1"/>
+                </a:solidFill>
+              </a:rPr>
+              <a:t>Life Expectancy</a:t>
+            </a:r>
+          </a:p>
+          <a:p>
+            <a:pPr>
+              <a:lnSpc>
+                <a:spcPct val="150000"/>
+              </a:lnSpc>
+              <a:buFont typeface="+mj-lt"/>
+              <a:buAutoNum type="arabicParenR"/>
+            </a:pPr>
+            <a:r>
+              <a:rPr lang="en-DE" sz="2200" b="1" dirty="0">
+                <a:solidFill>
+                  <a:schemeClr val="tx1"/>
+                </a:solidFill>
+              </a:rPr>
+              <a:t>Disease</a:t>
+            </a:r>
+          </a:p>
+          <a:p>
+            <a:pPr>
+              <a:lnSpc>
+                <a:spcPct val="150000"/>
+              </a:lnSpc>
+              <a:buFont typeface="+mj-lt"/>
+              <a:buAutoNum type="arabicParenR"/>
+            </a:pPr>
+            <a:r>
+              <a:rPr lang="en-DE" sz="2200" b="1" dirty="0">
+                <a:solidFill>
+                  <a:schemeClr val="tx1"/>
+                </a:solidFill>
+              </a:rPr>
+              <a:t>Population Size</a:t>
+            </a:r>
+          </a:p>
+          <a:p>
+            <a:pPr>
+              <a:lnSpc>
+                <a:spcPct val="150000"/>
+              </a:lnSpc>
+              <a:buFont typeface="+mj-lt"/>
+              <a:buAutoNum type="arabicParenR"/>
+            </a:pPr>
+            <a:r>
+              <a:rPr lang="en-DE" sz="2200" b="1" dirty="0">
+                <a:solidFill>
+                  <a:schemeClr val="tx1"/>
+                </a:solidFill>
+              </a:rPr>
+              <a:t>Economic (In-)Equality</a:t>
+            </a:r>
+          </a:p>
+          <a:p>
+            <a:pPr>
+              <a:lnSpc>
+                <a:spcPct val="150000"/>
+              </a:lnSpc>
+              <a:buFont typeface="+mj-lt"/>
+              <a:buAutoNum type="arabicParenR"/>
+            </a:pPr>
+            <a:r>
+              <a:rPr lang="en-DE" sz="2200" b="1" dirty="0">
+                <a:solidFill>
+                  <a:schemeClr val="tx1"/>
+                </a:solidFill>
+              </a:rPr>
+              <a:t>Schooling </a:t>
+            </a:r>
+          </a:p>
+        </p:txBody>
+      </p:sp>
+    </p:spTree>
+    <p:extLst>
+      <p:ext uri="{BB962C8B-B14F-4D97-AF65-F5344CB8AC3E}">
+        <p14:creationId xmlns:p14="http://schemas.microsoft.com/office/powerpoint/2010/main" val="364578240"/>
+      </p:ext>
+    </p:extLst>
+  </p:cSld>
+  <p:clrMapOvr>
+    <a:masterClrMapping/>
+  </p:clrMapOvr>
+</p:sld>
+</file>
+
+<file path=ppt/slides/slide5.xml><?xml version="1.0" encoding="utf-8"?>
+<p:sld xmlns:a="http://schemas.openxmlformats.org/drawingml/2006/main" xmlns:r="http://schemas.openxmlformats.org/officeDocument/2006/relationships" xmlns:p="http://schemas.openxmlformats.org/presentationml/2006/main" showMasterSp="0">
+  <p:cSld>
+    <p:spTree>
+      <p:nvGrpSpPr>
+        <p:cNvPr id="1" name=""/>
+        <p:cNvGrpSpPr/>
+        <p:nvPr/>
+      </p:nvGrpSpPr>
+      <p:grpSpPr>
+        <a:xfrm>
+          <a:off x="0" y="0"/>
+          <a:ext cx="0" cy="0"/>
+          <a:chOff x="0" y="0"/>
+          <a:chExt cx="0" cy="0"/>
+        </a:xfrm>
+      </p:grpSpPr>
+      <p:sp>
+        <p:nvSpPr>
+          <p:cNvPr id="8" name="Title 7">
+            <a:extLst>
+              <a:ext uri="{FF2B5EF4-FFF2-40B4-BE49-F238E27FC236}">
+                <a16:creationId xmlns:a16="http://schemas.microsoft.com/office/drawing/2014/main" id="{AD83C600-B774-2207-DAC6-B0CFA1F74B20}"/>
+              </a:ext>
+            </a:extLst>
+          </p:cNvPr>
+          <p:cNvSpPr>
+            <a:spLocks noGrp="1"/>
+          </p:cNvSpPr>
+          <p:nvPr>
+            <p:ph type="title"/>
+          </p:nvPr>
+        </p:nvSpPr>
+        <p:spPr/>
+        <p:txBody>
+          <a:bodyPr/>
+          <a:lstStyle/>
+          <a:p>
+            <a:r>
+              <a:rPr lang="en-DE" dirty="0">
+                <a:solidFill>
+                  <a:schemeClr val="accent1"/>
+                </a:solidFill>
+              </a:rPr>
               <a:t>2.) </a:t>
             </a:r>
             <a:r>
@@ -9303,7 +9506,7 @@
 </p:sld>
 </file>
 
-<file path=ppt/slides/slide5.xml><?xml version="1.0" encoding="utf-8"?>
+<file path=ppt/slides/slide6.xml><?xml version="1.0" encoding="utf-8"?>
 <p:sld xmlns:a="http://schemas.openxmlformats.org/drawingml/2006/main" xmlns:r="http://schemas.openxmlformats.org/officeDocument/2006/relationships" xmlns:p="http://schemas.openxmlformats.org/presentationml/2006/main" showMasterSp="0">
   <p:cSld>
     <p:spTree>
@@ -9403,7 +9606,7 @@
 </p:sld>
 </file>
 
-<file path=ppt/slides/slide6.xml><?xml version="1.0" encoding="utf-8"?>
+<file path=ppt/slides/slide7.xml><?xml version="1.0" encoding="utf-8"?>
 <p:sld xmlns:a="http://schemas.openxmlformats.org/drawingml/2006/main" xmlns:r="http://schemas.openxmlformats.org/officeDocument/2006/relationships" xmlns:p="http://schemas.openxmlformats.org/presentationml/2006/main" showMasterSp="0">
   <p:cSld>
     <p:spTree>
@@ -9503,7 +9706,7 @@
 </p:sld>
 </file>
 
-<file path=ppt/slides/slide7.xml><?xml version="1.0" encoding="utf-8"?>
+<file path=ppt/slides/slide8.xml><?xml version="1.0" encoding="utf-8"?>
 <p:sld xmlns:a="http://schemas.openxmlformats.org/drawingml/2006/main" xmlns:r="http://schemas.openxmlformats.org/officeDocument/2006/relationships" xmlns:p="http://schemas.openxmlformats.org/presentationml/2006/main" showMasterSp="0">
   <p:cSld>
     <p:spTree>
@@ -9603,7 +9806,7 @@
 </p:sld>
 </file>
 
-<file path=ppt/slides/slide8.xml><?xml version="1.0" encoding="utf-8"?>
+<file path=ppt/slides/slide9.xml><?xml version="1.0" encoding="utf-8"?>
 <p:sld xmlns:a="http://schemas.openxmlformats.org/drawingml/2006/main" xmlns:r="http://schemas.openxmlformats.org/officeDocument/2006/relationships" xmlns:p="http://schemas.openxmlformats.org/presentationml/2006/main" showMasterSp="0">
   <p:cSld>
     <p:spTree>
@@ -9993,136 +10196,6 @@
     <p:extLst>
       <p:ext uri="{BB962C8B-B14F-4D97-AF65-F5344CB8AC3E}">
         <p14:creationId xmlns:p14="http://schemas.microsoft.com/office/powerpoint/2010/main" val="3694320209"/>
-      </p:ext>
-    </p:extLst>
-  </p:cSld>
-  <p:clrMapOvr>
-    <a:masterClrMapping/>
-  </p:clrMapOvr>
-</p:sld>
-</file>
-
-<file path=ppt/slides/slide9.xml><?xml version="1.0" encoding="utf-8"?>
-<p:sld xmlns:a="http://schemas.openxmlformats.org/drawingml/2006/main" xmlns:r="http://schemas.openxmlformats.org/officeDocument/2006/relationships" xmlns:p="http://schemas.openxmlformats.org/presentationml/2006/main" showMasterSp="0">
-  <p:cSld>
-    <p:spTree>
-      <p:nvGrpSpPr>
-        <p:cNvPr id="1" name=""/>
-        <p:cNvGrpSpPr/>
-        <p:nvPr/>
-      </p:nvGrpSpPr>
-      <p:grpSpPr>
-        <a:xfrm>
-          <a:off x="0" y="0"/>
-          <a:ext cx="0" cy="0"/>
-          <a:chOff x="0" y="0"/>
-          <a:chExt cx="0" cy="0"/>
-        </a:xfrm>
-      </p:grpSpPr>
-      <p:sp>
-        <p:nvSpPr>
-          <p:cNvPr id="8" name="Title 7">
-            <a:extLst>
-              <a:ext uri="{FF2B5EF4-FFF2-40B4-BE49-F238E27FC236}">
-                <a16:creationId xmlns:a16="http://schemas.microsoft.com/office/drawing/2014/main" id="{AD83C600-B774-2207-DAC6-B0CFA1F74B20}"/>
-              </a:ext>
-            </a:extLst>
-          </p:cNvPr>
-          <p:cNvSpPr>
-            <a:spLocks noGrp="1"/>
-          </p:cNvSpPr>
-          <p:nvPr>
-            <p:ph type="title"/>
-          </p:nvPr>
-        </p:nvSpPr>
-        <p:spPr/>
-        <p:txBody>
-          <a:bodyPr/>
-          <a:lstStyle/>
-          <a:p>
-            <a:r>
-              <a:rPr lang="en-DE" dirty="0">
-                <a:solidFill>
-                  <a:schemeClr val="accent1"/>
-                </a:solidFill>
-              </a:rPr>
-              <a:t>3.) </a:t>
-            </a:r>
-            <a:r>
-              <a:rPr lang="en-DE" dirty="0">
-                <a:solidFill>
-                  <a:schemeClr val="tx1"/>
-                </a:solidFill>
-              </a:rPr>
-              <a:t>Target Variable Regression</a:t>
-            </a:r>
-          </a:p>
-        </p:txBody>
-      </p:sp>
-      <p:pic>
-        <p:nvPicPr>
-          <p:cNvPr id="4" name="Picture 3" descr="Chart, bar chart&#10;&#10;Description automatically generated">
-            <a:extLst>
-              <a:ext uri="{FF2B5EF4-FFF2-40B4-BE49-F238E27FC236}">
-                <a16:creationId xmlns:a16="http://schemas.microsoft.com/office/drawing/2014/main" id="{B505E565-BDF4-AEEB-3FDE-E3149FB94AE7}"/>
-              </a:ext>
-            </a:extLst>
-          </p:cNvPr>
-          <p:cNvPicPr>
-            <a:picLocks noChangeAspect="1"/>
-          </p:cNvPicPr>
-          <p:nvPr/>
-        </p:nvPicPr>
-        <p:blipFill>
-          <a:blip r:embed="rId2"/>
-          <a:stretch>
-            <a:fillRect/>
-          </a:stretch>
-        </p:blipFill>
-        <p:spPr>
-          <a:xfrm>
-            <a:off x="1489890" y="1434351"/>
-            <a:ext cx="4562252" cy="5244353"/>
-          </a:xfrm>
-          <a:prstGeom prst="rect">
-            <a:avLst/>
-          </a:prstGeom>
-        </p:spPr>
-      </p:pic>
-      <p:pic>
-        <p:nvPicPr>
-          <p:cNvPr id="9" name="Picture 8" descr="Chart, histogram, waterfall chart&#10;&#10;Description automatically generated">
-            <a:extLst>
-              <a:ext uri="{FF2B5EF4-FFF2-40B4-BE49-F238E27FC236}">
-                <a16:creationId xmlns:a16="http://schemas.microsoft.com/office/drawing/2014/main" id="{408C8CAB-DE77-BB63-058B-BF66B2E74198}"/>
-              </a:ext>
-            </a:extLst>
-          </p:cNvPr>
-          <p:cNvPicPr>
-            <a:picLocks noChangeAspect="1"/>
-          </p:cNvPicPr>
-          <p:nvPr/>
-        </p:nvPicPr>
-        <p:blipFill>
-          <a:blip r:embed="rId3"/>
-          <a:stretch>
-            <a:fillRect/>
-          </a:stretch>
-        </p:blipFill>
-        <p:spPr>
-          <a:xfrm>
-            <a:off x="6285224" y="1434351"/>
-            <a:ext cx="4416886" cy="5244353"/>
-          </a:xfrm>
-          <a:prstGeom prst="rect">
-            <a:avLst/>
-          </a:prstGeom>
-        </p:spPr>
-      </p:pic>
-    </p:spTree>
-    <p:extLst>
-      <p:ext uri="{BB962C8B-B14F-4D97-AF65-F5344CB8AC3E}">
-        <p14:creationId xmlns:p14="http://schemas.microsoft.com/office/powerpoint/2010/main" val="3384089987"/>
       </p:ext>
     </p:extLst>
   </p:cSld>
